--- a/lesson08.pptx
+++ b/lesson08.pptx
@@ -186,7 +186,7 @@
 <file path=ppt/revisionInfo.xml><?xml version="1.0" encoding="utf-8"?>
 <p1510:revInfo xmlns:a="http://schemas.openxmlformats.org/drawingml/2006/main" xmlns:r="http://schemas.openxmlformats.org/officeDocument/2006/relationships" xmlns:p1510="http://schemas.microsoft.com/office/powerpoint/2015/10/main">
   <p1510:revLst>
-    <p1510:client id="{96CC8D79-6E7A-46F3-86EE-9FB28573B54C}" v="8" dt="2021-12-25T08:05:58.188"/>
+    <p1510:client id="{96CC8D79-6E7A-46F3-86EE-9FB28573B54C}" v="9" dt="2021-12-25T08:07:23.095"/>
   </p1510:revLst>
 </p1510:revInfo>
 </file>
@@ -233,7 +233,7 @@
   <pc:docChgLst>
     <pc:chgData name="Anatoliy Kigel" userId="7432c6c4687b0a9c" providerId="LiveId" clId="{96CC8D79-6E7A-46F3-86EE-9FB28573B54C}"/>
     <pc:docChg chg="undo custSel addSld delSld modSld modSection">
-      <pc:chgData name="Anatoliy Kigel" userId="7432c6c4687b0a9c" providerId="LiveId" clId="{96CC8D79-6E7A-46F3-86EE-9FB28573B54C}" dt="2021-12-25T08:06:26.986" v="139" actId="47"/>
+      <pc:chgData name="Anatoliy Kigel" userId="7432c6c4687b0a9c" providerId="LiveId" clId="{96CC8D79-6E7A-46F3-86EE-9FB28573B54C}" dt="2021-12-25T08:07:24.073" v="142" actId="6549"/>
       <pc:docMkLst>
         <pc:docMk/>
       </pc:docMkLst>
@@ -332,6 +332,21 @@
             <pc:docMk/>
             <pc:sldMk cId="1130340218" sldId="371"/>
             <ac:spMk id="9" creationId="{00000000-0000-0000-0000-000000000000}"/>
+          </ac:spMkLst>
+        </pc:spChg>
+      </pc:sldChg>
+      <pc:sldChg chg="modSp mod">
+        <pc:chgData name="Anatoliy Kigel" userId="7432c6c4687b0a9c" providerId="LiveId" clId="{96CC8D79-6E7A-46F3-86EE-9FB28573B54C}" dt="2021-12-25T08:07:24.073" v="142" actId="6549"/>
+        <pc:sldMkLst>
+          <pc:docMk/>
+          <pc:sldMk cId="1315212788" sldId="376"/>
+        </pc:sldMkLst>
+        <pc:spChg chg="mod">
+          <ac:chgData name="Anatoliy Kigel" userId="7432c6c4687b0a9c" providerId="LiveId" clId="{96CC8D79-6E7A-46F3-86EE-9FB28573B54C}" dt="2021-12-25T08:07:24.073" v="142" actId="6549"/>
+          <ac:spMkLst>
+            <pc:docMk/>
+            <pc:sldMk cId="1315212788" sldId="376"/>
+            <ac:spMk id="7" creationId="{00000000-0000-0000-0000-000000000000}"/>
           </ac:spMkLst>
         </pc:spChg>
       </pc:sldChg>
@@ -6034,7 +6049,13 @@
               <a:rPr lang="en-US" sz="2400" b="1" dirty="0">
                 <a:hlinkClick r:id="rId2"/>
               </a:rPr>
-              <a:t>https://github.com/filebase-xyz/css-transition/archive/master.zip</a:t>
+              <a:t>https://github.com/filebase-xyz/css-transition/archive/master</a:t>
+            </a:r>
+            <a:r>
+              <a:rPr lang="en-US" sz="2400" b="1">
+                <a:hlinkClick r:id="rId2"/>
+              </a:rPr>
+              <a:t>.zip</a:t>
             </a:r>
             <a:endParaRPr lang="ru-RU" sz="2400" b="1" dirty="0"/>
           </a:p>

--- a/lesson08.pptx
+++ b/lesson08.pptx
@@ -9,14 +9,14 @@
   </p:notesMasterIdLst>
   <p:sldIdLst>
     <p:sldId id="371" r:id="rId2"/>
-    <p:sldId id="376" r:id="rId3"/>
-    <p:sldId id="329" r:id="rId4"/>
-    <p:sldId id="358" r:id="rId5"/>
-    <p:sldId id="331" r:id="rId6"/>
-    <p:sldId id="332" r:id="rId7"/>
-    <p:sldId id="333" r:id="rId8"/>
-    <p:sldId id="334" r:id="rId9"/>
-    <p:sldId id="335" r:id="rId10"/>
+    <p:sldId id="333" r:id="rId3"/>
+    <p:sldId id="334" r:id="rId4"/>
+    <p:sldId id="335" r:id="rId5"/>
+    <p:sldId id="329" r:id="rId6"/>
+    <p:sldId id="376" r:id="rId7"/>
+    <p:sldId id="358" r:id="rId8"/>
+    <p:sldId id="331" r:id="rId9"/>
+    <p:sldId id="332" r:id="rId10"/>
     <p:sldId id="336" r:id="rId11"/>
     <p:sldId id="337" r:id="rId12"/>
     <p:sldId id="368" r:id="rId13"/>
@@ -131,14 +131,14 @@
         <p14:section name="Раздел по умолчанию" id="{04249FBA-80A0-4AEF-BC44-CFB583492968}">
           <p14:sldIdLst>
             <p14:sldId id="371"/>
+            <p14:sldId id="333"/>
+            <p14:sldId id="334"/>
+            <p14:sldId id="335"/>
+            <p14:sldId id="329"/>
             <p14:sldId id="376"/>
-            <p14:sldId id="329"/>
             <p14:sldId id="358"/>
             <p14:sldId id="331"/>
             <p14:sldId id="332"/>
-            <p14:sldId id="333"/>
-            <p14:sldId id="334"/>
-            <p14:sldId id="335"/>
             <p14:sldId id="336"/>
             <p14:sldId id="337"/>
             <p14:sldId id="368"/>
@@ -186,7 +186,7 @@
 <file path=ppt/revisionInfo.xml><?xml version="1.0" encoding="utf-8"?>
 <p1510:revInfo xmlns:a="http://schemas.openxmlformats.org/drawingml/2006/main" xmlns:r="http://schemas.openxmlformats.org/officeDocument/2006/relationships" xmlns:p1510="http://schemas.microsoft.com/office/powerpoint/2015/10/main">
   <p1510:revLst>
-    <p1510:client id="{96CC8D79-6E7A-46F3-86EE-9FB28573B54C}" v="9" dt="2021-12-25T08:07:23.095"/>
+    <p1510:client id="{96CC8D79-6E7A-46F3-86EE-9FB28573B54C}" v="10" dt="2021-12-29T17:54:21.645"/>
   </p1510:revLst>
 </p1510:revInfo>
 </file>
@@ -232,11 +232,76 @@
   </pc:docChgLst>
   <pc:docChgLst>
     <pc:chgData name="Anatoliy Kigel" userId="7432c6c4687b0a9c" providerId="LiveId" clId="{96CC8D79-6E7A-46F3-86EE-9FB28573B54C}"/>
-    <pc:docChg chg="undo custSel addSld delSld modSld modSection">
-      <pc:chgData name="Anatoliy Kigel" userId="7432c6c4687b0a9c" providerId="LiveId" clId="{96CC8D79-6E7A-46F3-86EE-9FB28573B54C}" dt="2021-12-25T08:07:24.073" v="142" actId="6549"/>
+    <pc:docChg chg="undo custSel addSld delSld modSld sldOrd modSection">
+      <pc:chgData name="Anatoliy Kigel" userId="7432c6c4687b0a9c" providerId="LiveId" clId="{96CC8D79-6E7A-46F3-86EE-9FB28573B54C}" dt="2021-12-29T17:54:34.641" v="148" actId="20577"/>
       <pc:docMkLst>
         <pc:docMk/>
       </pc:docMkLst>
+      <pc:sldChg chg="modSp mod">
+        <pc:chgData name="Anatoliy Kigel" userId="7432c6c4687b0a9c" providerId="LiveId" clId="{96CC8D79-6E7A-46F3-86EE-9FB28573B54C}" dt="2021-12-29T17:54:34.641" v="148" actId="20577"/>
+        <pc:sldMkLst>
+          <pc:docMk/>
+          <pc:sldMk cId="2739659416" sldId="329"/>
+        </pc:sldMkLst>
+        <pc:spChg chg="mod">
+          <ac:chgData name="Anatoliy Kigel" userId="7432c6c4687b0a9c" providerId="LiveId" clId="{96CC8D79-6E7A-46F3-86EE-9FB28573B54C}" dt="2021-12-29T17:54:34.641" v="148" actId="20577"/>
+          <ac:spMkLst>
+            <pc:docMk/>
+            <pc:sldMk cId="2739659416" sldId="329"/>
+            <ac:spMk id="5" creationId="{00000000-0000-0000-0000-000000000000}"/>
+          </ac:spMkLst>
+        </pc:spChg>
+      </pc:sldChg>
+      <pc:sldChg chg="del">
+        <pc:chgData name="Anatoliy Kigel" userId="7432c6c4687b0a9c" providerId="LiveId" clId="{96CC8D79-6E7A-46F3-86EE-9FB28573B54C}" dt="2021-12-29T17:54:20.203" v="143" actId="2696"/>
+        <pc:sldMkLst>
+          <pc:docMk/>
+          <pc:sldMk cId="1739932376" sldId="333"/>
+        </pc:sldMkLst>
+      </pc:sldChg>
+      <pc:sldChg chg="modSp add mod">
+        <pc:chgData name="Anatoliy Kigel" userId="7432c6c4687b0a9c" providerId="LiveId" clId="{96CC8D79-6E7A-46F3-86EE-9FB28573B54C}" dt="2021-12-29T17:54:33.146" v="147" actId="20577"/>
+        <pc:sldMkLst>
+          <pc:docMk/>
+          <pc:sldMk cId="4034317961" sldId="333"/>
+        </pc:sldMkLst>
+        <pc:spChg chg="mod">
+          <ac:chgData name="Anatoliy Kigel" userId="7432c6c4687b0a9c" providerId="LiveId" clId="{96CC8D79-6E7A-46F3-86EE-9FB28573B54C}" dt="2021-12-29T17:54:33.146" v="147" actId="20577"/>
+          <ac:spMkLst>
+            <pc:docMk/>
+            <pc:sldMk cId="4034317961" sldId="333"/>
+            <ac:spMk id="5" creationId="{00000000-0000-0000-0000-000000000000}"/>
+          </ac:spMkLst>
+        </pc:spChg>
+      </pc:sldChg>
+      <pc:sldChg chg="del">
+        <pc:chgData name="Anatoliy Kigel" userId="7432c6c4687b0a9c" providerId="LiveId" clId="{96CC8D79-6E7A-46F3-86EE-9FB28573B54C}" dt="2021-12-29T17:54:20.203" v="143" actId="2696"/>
+        <pc:sldMkLst>
+          <pc:docMk/>
+          <pc:sldMk cId="570090362" sldId="334"/>
+        </pc:sldMkLst>
+      </pc:sldChg>
+      <pc:sldChg chg="add">
+        <pc:chgData name="Anatoliy Kigel" userId="7432c6c4687b0a9c" providerId="LiveId" clId="{96CC8D79-6E7A-46F3-86EE-9FB28573B54C}" dt="2021-12-29T17:54:21.643" v="144"/>
+        <pc:sldMkLst>
+          <pc:docMk/>
+          <pc:sldMk cId="2447979257" sldId="334"/>
+        </pc:sldMkLst>
+      </pc:sldChg>
+      <pc:sldChg chg="add">
+        <pc:chgData name="Anatoliy Kigel" userId="7432c6c4687b0a9c" providerId="LiveId" clId="{96CC8D79-6E7A-46F3-86EE-9FB28573B54C}" dt="2021-12-29T17:54:21.643" v="144"/>
+        <pc:sldMkLst>
+          <pc:docMk/>
+          <pc:sldMk cId="556136404" sldId="335"/>
+        </pc:sldMkLst>
+      </pc:sldChg>
+      <pc:sldChg chg="del">
+        <pc:chgData name="Anatoliy Kigel" userId="7432c6c4687b0a9c" providerId="LiveId" clId="{96CC8D79-6E7A-46F3-86EE-9FB28573B54C}" dt="2021-12-29T17:54:20.203" v="143" actId="2696"/>
+        <pc:sldMkLst>
+          <pc:docMk/>
+          <pc:sldMk cId="1380844691" sldId="335"/>
+        </pc:sldMkLst>
+      </pc:sldChg>
       <pc:sldChg chg="addSp modSp mod">
         <pc:chgData name="Anatoliy Kigel" userId="7432c6c4687b0a9c" providerId="LiveId" clId="{96CC8D79-6E7A-46F3-86EE-9FB28573B54C}" dt="2021-12-25T08:06:12.379" v="138" actId="1037"/>
         <pc:sldMkLst>
@@ -335,8 +400,8 @@
           </ac:spMkLst>
         </pc:spChg>
       </pc:sldChg>
-      <pc:sldChg chg="modSp mod">
-        <pc:chgData name="Anatoliy Kigel" userId="7432c6c4687b0a9c" providerId="LiveId" clId="{96CC8D79-6E7A-46F3-86EE-9FB28573B54C}" dt="2021-12-25T08:07:24.073" v="142" actId="6549"/>
+      <pc:sldChg chg="modSp mod ord">
+        <pc:chgData name="Anatoliy Kigel" userId="7432c6c4687b0a9c" providerId="LiveId" clId="{96CC8D79-6E7A-46F3-86EE-9FB28573B54C}" dt="2021-12-29T17:54:28.352" v="146"/>
         <pc:sldMkLst>
           <pc:docMk/>
           <pc:sldMk cId="1315212788" sldId="376"/>
@@ -603,7 +668,7 @@
             <a:fld id="{85522811-C5C6-42D2-A409-F8556720C93F}" type="datetimeFigureOut">
               <a:rPr lang="uk-UA" smtClean="0"/>
               <a:pPr/>
-              <a:t>25.12.2021</a:t>
+              <a:t>29.12.2021</a:t>
             </a:fld>
             <a:endParaRPr lang="uk-UA"/>
           </a:p>
@@ -1148,7 +1213,7 @@
             <a:fld id="{E6FC6B0D-6115-4D7C-8040-9C8E2349BB6E}" type="datetime1">
               <a:rPr lang="uk-UA" smtClean="0"/>
               <a:pPr/>
-              <a:t>25.12.2021</a:t>
+              <a:t>29.12.2021</a:t>
             </a:fld>
             <a:endParaRPr lang="uk-UA"/>
           </a:p>
@@ -1315,7 +1380,7 @@
             <a:fld id="{996367BA-0A39-4DE2-BFC3-D5290044365E}" type="datetime1">
               <a:rPr lang="uk-UA" smtClean="0"/>
               <a:pPr/>
-              <a:t>25.12.2021</a:t>
+              <a:t>29.12.2021</a:t>
             </a:fld>
             <a:endParaRPr lang="uk-UA"/>
           </a:p>
@@ -1492,7 +1557,7 @@
             <a:fld id="{1BD6A67F-6C29-47DC-AF8A-FDB3C787DF70}" type="datetime1">
               <a:rPr lang="uk-UA" smtClean="0"/>
               <a:pPr/>
-              <a:t>25.12.2021</a:t>
+              <a:t>29.12.2021</a:t>
             </a:fld>
             <a:endParaRPr lang="uk-UA"/>
           </a:p>
@@ -1659,7 +1724,7 @@
             <a:fld id="{1657D9C5-7FF1-434F-B56E-9BAD559744E9}" type="datetime1">
               <a:rPr lang="uk-UA" smtClean="0"/>
               <a:pPr/>
-              <a:t>25.12.2021</a:t>
+              <a:t>29.12.2021</a:t>
             </a:fld>
             <a:endParaRPr lang="uk-UA"/>
           </a:p>
@@ -1902,7 +1967,7 @@
             <a:fld id="{2CEB0FC9-DE63-476B-A1A9-BE934D9049F8}" type="datetime1">
               <a:rPr lang="uk-UA" smtClean="0"/>
               <a:pPr/>
-              <a:t>25.12.2021</a:t>
+              <a:t>29.12.2021</a:t>
             </a:fld>
             <a:endParaRPr lang="uk-UA"/>
           </a:p>
@@ -2187,7 +2252,7 @@
             <a:fld id="{F964460F-86E2-4DF6-9D0F-12F5005CF375}" type="datetime1">
               <a:rPr lang="uk-UA" smtClean="0"/>
               <a:pPr/>
-              <a:t>25.12.2021</a:t>
+              <a:t>29.12.2021</a:t>
             </a:fld>
             <a:endParaRPr lang="uk-UA"/>
           </a:p>
@@ -2606,7 +2671,7 @@
             <a:fld id="{C521715E-DDCD-4267-B0A5-2918B6F6768A}" type="datetime1">
               <a:rPr lang="uk-UA" smtClean="0"/>
               <a:pPr/>
-              <a:t>25.12.2021</a:t>
+              <a:t>29.12.2021</a:t>
             </a:fld>
             <a:endParaRPr lang="uk-UA"/>
           </a:p>
@@ -2721,7 +2786,7 @@
             <a:fld id="{9289842C-EB2D-4EBB-A272-2F6A49D9794D}" type="datetime1">
               <a:rPr lang="uk-UA" smtClean="0"/>
               <a:pPr/>
-              <a:t>25.12.2021</a:t>
+              <a:t>29.12.2021</a:t>
             </a:fld>
             <a:endParaRPr lang="uk-UA"/>
           </a:p>
@@ -2813,7 +2878,7 @@
             <a:fld id="{D036F091-B700-4B52-99AC-85D0FD94D904}" type="datetime1">
               <a:rPr lang="uk-UA" smtClean="0"/>
               <a:pPr/>
-              <a:t>25.12.2021</a:t>
+              <a:t>29.12.2021</a:t>
             </a:fld>
             <a:endParaRPr lang="uk-UA"/>
           </a:p>
@@ -3087,7 +3152,7 @@
             <a:fld id="{B35DFABA-3811-4634-B803-2EAC4CD0063B}" type="datetime1">
               <a:rPr lang="uk-UA" smtClean="0"/>
               <a:pPr/>
-              <a:t>25.12.2021</a:t>
+              <a:t>29.12.2021</a:t>
             </a:fld>
             <a:endParaRPr lang="uk-UA"/>
           </a:p>
@@ -3337,7 +3402,7 @@
             <a:fld id="{8A9EA25E-F88E-463A-A119-D1E55A881002}" type="datetime1">
               <a:rPr lang="uk-UA" smtClean="0"/>
               <a:pPr/>
-              <a:t>25.12.2021</a:t>
+              <a:t>29.12.2021</a:t>
             </a:fld>
             <a:endParaRPr lang="uk-UA"/>
           </a:p>
@@ -3547,7 +3612,7 @@
             <a:fld id="{E708ED03-0080-49A2-B709-7DA4ACB3A1C3}" type="datetime1">
               <a:rPr lang="uk-UA" smtClean="0"/>
               <a:pPr/>
-              <a:t>25.12.2021</a:t>
+              <a:t>29.12.2021</a:t>
             </a:fld>
             <a:endParaRPr lang="uk-UA"/>
           </a:p>
@@ -5917,184 +5982,65 @@
       </p:grpSpPr>
       <p:sp>
         <p:nvSpPr>
-          <p:cNvPr id="4" name="Номер слайда 36"/>
-          <p:cNvSpPr txBox="1">
-            <a:spLocks/>
-          </p:cNvSpPr>
+          <p:cNvPr id="5" name="Прямоугольник 4"/>
+          <p:cNvSpPr/>
           <p:nvPr/>
         </p:nvSpPr>
         <p:spPr>
           <a:xfrm>
-            <a:off x="11208568" y="6165304"/>
-            <a:ext cx="648072" cy="432048"/>
-          </a:xfrm>
-          <a:prstGeom prst="roundRect">
+            <a:off x="0" y="0"/>
+            <a:ext cx="12192000" cy="6858000"/>
+          </a:xfrm>
+          <a:prstGeom prst="rect">
             <a:avLst/>
           </a:prstGeom>
-          <a:ln w="25400" cap="flat" cmpd="sng" algn="ctr">
-            <a:solidFill>
-              <a:schemeClr val="tx2">
-                <a:lumMod val="60000"/>
-                <a:lumOff val="40000"/>
-              </a:schemeClr>
-            </a:solidFill>
-            <a:prstDash val="solid"/>
-          </a:ln>
+          <a:solidFill>
+            <a:schemeClr val="tx2">
+              <a:lumMod val="75000"/>
+            </a:schemeClr>
+          </a:solidFill>
         </p:spPr>
         <p:style>
           <a:lnRef idx="2">
-            <a:schemeClr val="accent1"/>
+            <a:schemeClr val="accent1">
+              <a:shade val="50000"/>
+            </a:schemeClr>
           </a:lnRef>
           <a:fillRef idx="1">
-            <a:schemeClr val="lt1"/>
+            <a:schemeClr val="accent1"/>
           </a:fillRef>
           <a:effectRef idx="0">
             <a:schemeClr val="accent1"/>
           </a:effectRef>
           <a:fontRef idx="minor">
-            <a:schemeClr val="dk1"/>
+            <a:schemeClr val="lt1"/>
           </a:fontRef>
         </p:style>
         <p:txBody>
-          <a:bodyPr vert="horz" lIns="91440" tIns="45720" rIns="91440" bIns="45720" rtlCol="0" anchor="ctr"/>
-          <a:lstStyle/>
-          <a:p>
-            <a:pPr algn="ctr">
-              <a:defRPr/>
-            </a:pPr>
-            <a:fld id="{6389AA22-90B4-448C-8B6B-C699140D38B9}" type="slidenum">
-              <a:rPr lang="uk-UA" sz="2400" b="1">
-                <a:solidFill>
-                  <a:schemeClr val="bg1">
-                    <a:lumMod val="50000"/>
-                  </a:schemeClr>
-                </a:solidFill>
-              </a:rPr>
-              <a:pPr algn="ctr">
-                <a:defRPr/>
-              </a:pPr>
-              <a:t>2</a:t>
-            </a:fld>
-            <a:endParaRPr lang="uk-UA" sz="2400" b="1" dirty="0">
-              <a:solidFill>
-                <a:schemeClr val="bg1">
-                  <a:lumMod val="50000"/>
-                </a:schemeClr>
-              </a:solidFill>
-            </a:endParaRPr>
-          </a:p>
-        </p:txBody>
-      </p:sp>
-      <p:sp>
-        <p:nvSpPr>
-          <p:cNvPr id="5" name="TextBox 4"/>
-          <p:cNvSpPr txBox="1"/>
-          <p:nvPr/>
-        </p:nvSpPr>
-        <p:spPr>
-          <a:xfrm>
-            <a:off x="0" y="499319"/>
-            <a:ext cx="12191999" cy="769441"/>
-          </a:xfrm>
-          <a:prstGeom prst="rect">
-            <a:avLst/>
-          </a:prstGeom>
-          <a:noFill/>
-        </p:spPr>
-        <p:txBody>
-          <a:bodyPr wrap="square" rtlCol="0">
-            <a:spAutoFit/>
-          </a:bodyPr>
+          <a:bodyPr rtlCol="0" anchor="ctr"/>
           <a:lstStyle/>
           <a:p>
             <a:pPr algn="ctr"/>
             <a:r>
-              <a:rPr lang="ru-RU" sz="4400" b="1" dirty="0"/>
-              <a:t>Скачайте шаблоны</a:t>
-            </a:r>
-          </a:p>
-        </p:txBody>
-      </p:sp>
-      <p:sp>
-        <p:nvSpPr>
-          <p:cNvPr id="7" name="TextBox 6"/>
-          <p:cNvSpPr txBox="1"/>
-          <p:nvPr/>
-        </p:nvSpPr>
-        <p:spPr>
-          <a:xfrm>
-            <a:off x="0" y="5190291"/>
-            <a:ext cx="12192000" cy="830997"/>
-          </a:xfrm>
-          <a:prstGeom prst="rect">
-            <a:avLst/>
-          </a:prstGeom>
-          <a:noFill/>
-        </p:spPr>
-        <p:txBody>
-          <a:bodyPr wrap="square" rtlCol="0">
-            <a:spAutoFit/>
-          </a:bodyPr>
-          <a:lstStyle/>
-          <a:p>
-            <a:pPr algn="ctr"/>
-            <a:r>
-              <a:rPr lang="ru-RU" sz="2400" b="1" dirty="0"/>
-              <a:t>Скачайте архив с шаблонами которые нам понадобятся:</a:t>
-            </a:r>
-            <a:br>
-              <a:rPr lang="ru-RU" sz="2400" b="1" dirty="0"/>
-            </a:br>
-            <a:r>
-              <a:rPr lang="en-US" sz="2400" b="1" dirty="0">
-                <a:hlinkClick r:id="rId2"/>
-              </a:rPr>
-              <a:t>https://github.com/filebase-xyz/css-transition/archive/master</a:t>
-            </a:r>
-            <a:r>
-              <a:rPr lang="en-US" sz="2400" b="1">
-                <a:hlinkClick r:id="rId2"/>
-              </a:rPr>
-              <a:t>.zip</a:t>
-            </a:r>
-            <a:endParaRPr lang="ru-RU" sz="2400" b="1" dirty="0"/>
-          </a:p>
-        </p:txBody>
-      </p:sp>
-      <p:pic>
-        <p:nvPicPr>
-          <p:cNvPr id="2" name="Рисунок 1"/>
-          <p:cNvPicPr>
-            <a:picLocks noChangeAspect="1"/>
-          </p:cNvPicPr>
-          <p:nvPr/>
-        </p:nvPicPr>
-        <p:blipFill>
-          <a:blip r:embed="rId3">
-            <a:extLst>
-              <a:ext uri="{28A0092B-C50C-407E-A947-70E740481C1C}">
-                <a14:useLocalDpi xmlns:a14="http://schemas.microsoft.com/office/drawing/2010/main" val="0"/>
-              </a:ext>
-            </a:extLst>
-          </a:blip>
-          <a:stretch>
-            <a:fillRect/>
-          </a:stretch>
-        </p:blipFill>
-        <p:spPr>
-          <a:xfrm>
-            <a:off x="4655840" y="1700808"/>
-            <a:ext cx="2880320" cy="2880320"/>
-          </a:xfrm>
-          <a:prstGeom prst="rect">
-            <a:avLst/>
-          </a:prstGeom>
-        </p:spPr>
-      </p:pic>
+              <a:rPr lang="en-US" sz="6000" b="1" dirty="0"/>
+              <a:t>1</a:t>
+            </a:r>
+            <a:r>
+              <a:rPr lang="ru-RU" sz="6000" b="1" dirty="0"/>
+              <a:t>. Анимация средствами </a:t>
+            </a:r>
+            <a:r>
+              <a:rPr lang="en-US" sz="6000" b="1" dirty="0"/>
+              <a:t>CSS</a:t>
+            </a:r>
+            <a:endParaRPr lang="uk-UA" sz="6000" b="1" dirty="0"/>
+          </a:p>
+        </p:txBody>
+      </p:sp>
     </p:spTree>
     <p:extLst>
       <p:ext uri="{BB962C8B-B14F-4D97-AF65-F5344CB8AC3E}">
-        <p14:creationId xmlns:p14="http://schemas.microsoft.com/office/powerpoint/2010/main" val="1315212788"/>
+        <p14:creationId xmlns:p14="http://schemas.microsoft.com/office/powerpoint/2010/main" val="4034317961"/>
       </p:ext>
     </p:extLst>
   </p:cSld>
@@ -6123,61 +6069,271 @@
       </p:grpSpPr>
       <p:sp>
         <p:nvSpPr>
-          <p:cNvPr id="5" name="Прямоугольник 4"/>
-          <p:cNvSpPr/>
+          <p:cNvPr id="20" name="Номер слайда 36"/>
+          <p:cNvSpPr txBox="1">
+            <a:spLocks/>
+          </p:cNvSpPr>
           <p:nvPr/>
         </p:nvSpPr>
         <p:spPr>
           <a:xfrm>
-            <a:off x="0" y="0"/>
-            <a:ext cx="12192000" cy="6858000"/>
+            <a:off x="11280576" y="6165304"/>
+            <a:ext cx="648072" cy="432048"/>
+          </a:xfrm>
+          <a:prstGeom prst="roundRect">
+            <a:avLst/>
+          </a:prstGeom>
+          <a:ln w="25400" cap="flat" cmpd="sng" algn="ctr">
+            <a:solidFill>
+              <a:schemeClr val="tx2">
+                <a:lumMod val="60000"/>
+                <a:lumOff val="40000"/>
+              </a:schemeClr>
+            </a:solidFill>
+            <a:prstDash val="solid"/>
+          </a:ln>
+        </p:spPr>
+        <p:style>
+          <a:lnRef idx="2">
+            <a:schemeClr val="accent1"/>
+          </a:lnRef>
+          <a:fillRef idx="1">
+            <a:schemeClr val="lt1"/>
+          </a:fillRef>
+          <a:effectRef idx="0">
+            <a:schemeClr val="accent1"/>
+          </a:effectRef>
+          <a:fontRef idx="minor">
+            <a:schemeClr val="dk1"/>
+          </a:fontRef>
+        </p:style>
+        <p:txBody>
+          <a:bodyPr vert="horz" lIns="91440" tIns="45720" rIns="91440" bIns="45720" rtlCol="0" anchor="ctr"/>
+          <a:lstStyle/>
+          <a:p>
+            <a:pPr algn="ctr">
+              <a:defRPr/>
+            </a:pPr>
+            <a:fld id="{6389AA22-90B4-448C-8B6B-C699140D38B9}" type="slidenum">
+              <a:rPr lang="uk-UA" sz="2400" b="1">
+                <a:solidFill>
+                  <a:schemeClr val="bg1">
+                    <a:lumMod val="50000"/>
+                  </a:schemeClr>
+                </a:solidFill>
+              </a:rPr>
+              <a:pPr algn="ctr">
+                <a:defRPr/>
+              </a:pPr>
+              <a:t>3</a:t>
+            </a:fld>
+            <a:endParaRPr lang="uk-UA" sz="2400" b="1" dirty="0">
+              <a:solidFill>
+                <a:schemeClr val="bg1">
+                  <a:lumMod val="50000"/>
+                </a:schemeClr>
+              </a:solidFill>
+            </a:endParaRPr>
+          </a:p>
+        </p:txBody>
+      </p:sp>
+      <p:sp>
+        <p:nvSpPr>
+          <p:cNvPr id="10" name="TextBox 9"/>
+          <p:cNvSpPr txBox="1"/>
+          <p:nvPr/>
+        </p:nvSpPr>
+        <p:spPr>
+          <a:xfrm>
+            <a:off x="5879976" y="1484784"/>
+            <a:ext cx="6192688" cy="2554545"/>
           </a:xfrm>
           <a:prstGeom prst="rect">
             <a:avLst/>
           </a:prstGeom>
-          <a:solidFill>
-            <a:schemeClr val="tx2">
-              <a:lumMod val="75000"/>
-            </a:schemeClr>
-          </a:solidFill>
+          <a:noFill/>
+        </p:spPr>
+        <p:txBody>
+          <a:bodyPr wrap="square" rtlCol="0">
+            <a:spAutoFit/>
+          </a:bodyPr>
+          <a:lstStyle/>
+          <a:p>
+            <a:r>
+              <a:rPr lang="ru-RU" sz="4000" dirty="0"/>
+              <a:t>Анимация на веб-странице это изменение во времени того или иного стилевого</a:t>
+            </a:r>
+            <a:r>
+              <a:rPr lang="en-US" sz="4000" dirty="0"/>
+              <a:t> </a:t>
+            </a:r>
+            <a:r>
+              <a:rPr lang="ru-RU" sz="4000" dirty="0"/>
+              <a:t>свойства элемента.</a:t>
+            </a:r>
+          </a:p>
+        </p:txBody>
+      </p:sp>
+      <p:sp>
+        <p:nvSpPr>
+          <p:cNvPr id="5" name="TextBox 4"/>
+          <p:cNvSpPr txBox="1"/>
+          <p:nvPr/>
+        </p:nvSpPr>
+        <p:spPr>
+          <a:xfrm>
+            <a:off x="5907950" y="4221088"/>
+            <a:ext cx="4824536" cy="1815882"/>
+          </a:xfrm>
+          <a:prstGeom prst="rect">
+            <a:avLst/>
+          </a:prstGeom>
+          <a:noFill/>
+        </p:spPr>
+        <p:txBody>
+          <a:bodyPr wrap="square" rtlCol="0">
+            <a:spAutoFit/>
+          </a:bodyPr>
+          <a:lstStyle/>
+          <a:p>
+            <a:r>
+              <a:rPr lang="ru-RU" sz="2800" i="1" dirty="0"/>
+              <a:t>До появления </a:t>
+            </a:r>
+            <a:r>
+              <a:rPr lang="en-US" sz="2800" b="1" i="1" dirty="0"/>
+              <a:t>CSS 3 </a:t>
+            </a:r>
+            <a:r>
+              <a:rPr lang="ru-RU" sz="2800" i="1" dirty="0"/>
+              <a:t>анимация создавалась исключительно средствами </a:t>
+            </a:r>
+            <a:r>
+              <a:rPr lang="en-US" sz="2800" b="1" i="1" dirty="0"/>
+              <a:t>JavaScript</a:t>
+            </a:r>
+            <a:r>
+              <a:rPr lang="ru-RU" sz="2800" i="1" dirty="0"/>
+              <a:t>, но ничто не стоит на месте.</a:t>
+            </a:r>
+          </a:p>
+        </p:txBody>
+      </p:sp>
+      <p:cxnSp>
+        <p:nvCxnSpPr>
+          <p:cNvPr id="3" name="Прямая соединительная линия 2"/>
+          <p:cNvCxnSpPr/>
+          <p:nvPr/>
+        </p:nvCxnSpPr>
+        <p:spPr>
+          <a:xfrm>
+            <a:off x="5735960" y="1484784"/>
+            <a:ext cx="0" cy="4768210"/>
+          </a:xfrm>
+          <a:prstGeom prst="line">
+            <a:avLst/>
+          </a:prstGeom>
+          <a:ln w="28575">
+            <a:solidFill>
+              <a:schemeClr val="bg1">
+                <a:lumMod val="65000"/>
+              </a:schemeClr>
+            </a:solidFill>
+          </a:ln>
         </p:spPr>
         <p:style>
-          <a:lnRef idx="2">
-            <a:schemeClr val="accent1">
-              <a:shade val="50000"/>
-            </a:schemeClr>
+          <a:lnRef idx="1">
+            <a:schemeClr val="accent1"/>
           </a:lnRef>
-          <a:fillRef idx="1">
+          <a:fillRef idx="0">
             <a:schemeClr val="accent1"/>
           </a:fillRef>
           <a:effectRef idx="0">
             <a:schemeClr val="accent1"/>
           </a:effectRef>
           <a:fontRef idx="minor">
-            <a:schemeClr val="lt1"/>
+            <a:schemeClr val="tx1"/>
           </a:fontRef>
         </p:style>
-        <p:txBody>
-          <a:bodyPr rtlCol="0" anchor="ctr"/>
+      </p:cxnSp>
+      <p:sp>
+        <p:nvSpPr>
+          <p:cNvPr id="6" name="TextBox 5"/>
+          <p:cNvSpPr txBox="1"/>
+          <p:nvPr/>
+        </p:nvSpPr>
+        <p:spPr>
+          <a:xfrm>
+            <a:off x="0" y="260648"/>
+            <a:ext cx="12192000" cy="769441"/>
+          </a:xfrm>
+          <a:prstGeom prst="rect">
+            <a:avLst/>
+          </a:prstGeom>
+          <a:noFill/>
+        </p:spPr>
+        <p:txBody>
+          <a:bodyPr wrap="square" rtlCol="0">
+            <a:spAutoFit/>
+          </a:bodyPr>
           <a:lstStyle/>
           <a:p>
             <a:pPr algn="ctr"/>
             <a:r>
-              <a:rPr lang="en-US" sz="6000" b="1" dirty="0"/>
-              <a:t>1.</a:t>
-            </a:r>
-            <a:r>
-              <a:rPr lang="ru-RU" sz="6000" b="1" dirty="0"/>
-              <a:t> Состояние элемента</a:t>
-            </a:r>
-            <a:endParaRPr lang="uk-UA" sz="6000" b="1" dirty="0"/>
-          </a:p>
-        </p:txBody>
-      </p:sp>
+              <a:rPr lang="en-US" sz="4400" b="1" dirty="0"/>
+              <a:t>CSS  </a:t>
+            </a:r>
+            <a:r>
+              <a:rPr lang="ru-RU" sz="4400" b="1" dirty="0"/>
+              <a:t>и анимация</a:t>
+            </a:r>
+            <a:endParaRPr lang="uk-UA" sz="4400" b="1" dirty="0"/>
+          </a:p>
+        </p:txBody>
+      </p:sp>
+      <p:pic>
+        <p:nvPicPr>
+          <p:cNvPr id="8" name="Picture 4" descr="CSS Transitions"/>
+          <p:cNvPicPr>
+            <a:picLocks noChangeAspect="1" noChangeArrowheads="1"/>
+          </p:cNvPicPr>
+          <p:nvPr/>
+        </p:nvPicPr>
+        <p:blipFill rotWithShape="1">
+          <a:blip r:embed="rId2">
+            <a:extLst>
+              <a:ext uri="{28A0092B-C50C-407E-A947-70E740481C1C}">
+                <a14:useLocalDpi xmlns:a14="http://schemas.microsoft.com/office/drawing/2010/main" val="0"/>
+              </a:ext>
+            </a:extLst>
+          </a:blip>
+          <a:srcRect t="6294" b="33305"/>
+          <a:stretch/>
+        </p:blipFill>
+        <p:spPr bwMode="auto">
+          <a:xfrm>
+            <a:off x="479376" y="2920510"/>
+            <a:ext cx="4896544" cy="1896758"/>
+          </a:xfrm>
+          <a:prstGeom prst="rect">
+            <a:avLst/>
+          </a:prstGeom>
+          <a:noFill/>
+          <a:extLst>
+            <a:ext uri="{909E8E84-426E-40DD-AFC4-6F175D3DCCD1}">
+              <a14:hiddenFill xmlns:a14="http://schemas.microsoft.com/office/drawing/2010/main">
+                <a:solidFill>
+                  <a:srgbClr val="FFFFFF"/>
+                </a:solidFill>
+              </a14:hiddenFill>
+            </a:ext>
+          </a:extLst>
+        </p:spPr>
+      </p:pic>
     </p:spTree>
     <p:extLst>
       <p:ext uri="{BB962C8B-B14F-4D97-AF65-F5344CB8AC3E}">
-        <p14:creationId xmlns:p14="http://schemas.microsoft.com/office/powerpoint/2010/main" val="2739659416"/>
+        <p14:creationId xmlns:p14="http://schemas.microsoft.com/office/powerpoint/2010/main" val="2447979257"/>
       </p:ext>
     </p:extLst>
   </p:cSld>
@@ -6206,7 +6362,7 @@
       </p:grpSpPr>
       <p:sp>
         <p:nvSpPr>
-          <p:cNvPr id="7" name="Номер слайда 36"/>
+          <p:cNvPr id="8" name="Номер слайда 36"/>
           <p:cNvSpPr txBox="1">
             <a:spLocks/>
           </p:cNvSpPr>
@@ -6214,7 +6370,7 @@
         </p:nvSpPr>
         <p:spPr>
           <a:xfrm>
-            <a:off x="11136560" y="6165304"/>
+            <a:off x="11286458" y="6235626"/>
             <a:ext cx="648072" cy="432048"/>
           </a:xfrm>
           <a:prstGeom prst="roundRect">
@@ -6276,14 +6432,14 @@
       </p:sp>
       <p:sp>
         <p:nvSpPr>
-          <p:cNvPr id="10" name="TextBox 9"/>
+          <p:cNvPr id="5" name="TextBox 4"/>
           <p:cNvSpPr txBox="1"/>
           <p:nvPr/>
         </p:nvSpPr>
         <p:spPr>
           <a:xfrm>
-            <a:off x="7248128" y="1531995"/>
-            <a:ext cx="4248472" cy="3416320"/>
+            <a:off x="3431705" y="251938"/>
+            <a:ext cx="5689443" cy="584775"/>
           </a:xfrm>
           <a:prstGeom prst="rect">
             <a:avLst/>
@@ -6291,191 +6447,34 @@
           <a:noFill/>
         </p:spPr>
         <p:txBody>
-          <a:bodyPr wrap="square" rtlCol="0">
+          <a:bodyPr wrap="none" rtlCol="0">
             <a:spAutoFit/>
           </a:bodyPr>
           <a:lstStyle/>
           <a:p>
-            <a:r>
-              <a:rPr lang="ru-RU" sz="2400" dirty="0"/>
-              <a:t>Подготовьте разметку на основе таких команд </a:t>
-            </a:r>
-            <a:r>
-              <a:rPr lang="en-US" sz="2400" b="1" dirty="0"/>
-              <a:t>Emmet</a:t>
-            </a:r>
-            <a:r>
-              <a:rPr lang="en-US" sz="2400" dirty="0"/>
-              <a:t>’</a:t>
-            </a:r>
-            <a:r>
-              <a:rPr lang="uk-UA" sz="2400" dirty="0"/>
-              <a:t>а</a:t>
-            </a:r>
-            <a:r>
-              <a:rPr lang="en-US" sz="2400" dirty="0"/>
-              <a:t> </a:t>
-            </a:r>
-            <a:r>
-              <a:rPr lang="uk-UA" sz="2400" dirty="0"/>
-              <a:t>в </a:t>
-            </a:r>
-            <a:r>
-              <a:rPr lang="en-US" sz="2400" b="1" dirty="0" err="1"/>
-              <a:t>VSCode</a:t>
-            </a:r>
-            <a:r>
-              <a:rPr lang="en-US" sz="2400" b="1" dirty="0"/>
-              <a:t> </a:t>
-            </a:r>
-            <a:r>
-              <a:rPr lang="en-US" sz="2400" dirty="0"/>
-              <a:t>(</a:t>
-            </a:r>
-            <a:r>
-              <a:rPr lang="uk-UA" sz="2400" dirty="0"/>
-              <a:t>команд</a:t>
-            </a:r>
-            <a:r>
-              <a:rPr lang="ru-RU" sz="2400" dirty="0"/>
-              <a:t>ы выполняются по одной</a:t>
-            </a:r>
-            <a:r>
-              <a:rPr lang="en-US" sz="2400" dirty="0"/>
-              <a:t>)</a:t>
-            </a:r>
-          </a:p>
-          <a:p>
-            <a:endParaRPr lang="ru-RU" sz="2400" dirty="0"/>
-          </a:p>
-          <a:p>
-            <a:r>
-              <a:rPr lang="en-US" sz="2400" dirty="0"/>
-              <a:t>1)</a:t>
-            </a:r>
-            <a:r>
-              <a:rPr lang="uk-UA" sz="2400" dirty="0"/>
-              <a:t>Каркас </a:t>
-            </a:r>
-            <a:r>
-              <a:rPr lang="en-US" sz="2400" dirty="0"/>
-              <a:t>HTML</a:t>
-            </a:r>
-            <a:r>
-              <a:rPr lang="uk-UA" sz="2400" dirty="0"/>
-              <a:t>-</a:t>
-            </a:r>
-            <a:r>
-              <a:rPr lang="uk-UA" sz="2400" dirty="0" err="1"/>
-              <a:t>разметки</a:t>
-            </a:r>
-            <a:r>
-              <a:rPr lang="en-US" sz="2400" dirty="0"/>
-              <a:t>;</a:t>
-            </a:r>
-            <a:endParaRPr lang="uk-UA" sz="2400" dirty="0"/>
-          </a:p>
-          <a:p>
-            <a:endParaRPr lang="en-US" sz="2400" dirty="0"/>
-          </a:p>
-          <a:p>
-            <a:r>
-              <a:rPr lang="en-US" sz="2400" dirty="0"/>
-              <a:t>2</a:t>
-            </a:r>
-            <a:r>
-              <a:rPr lang="uk-UA" sz="2400" dirty="0"/>
-              <a:t>) </a:t>
-            </a:r>
-            <a:r>
-              <a:rPr lang="en-US" sz="2400" dirty="0"/>
-              <a:t>10</a:t>
-            </a:r>
-            <a:r>
-              <a:rPr lang="uk-UA" sz="2400" dirty="0"/>
-              <a:t> </a:t>
-            </a:r>
-            <a:r>
-              <a:rPr lang="uk-UA" sz="2400" dirty="0" err="1"/>
-              <a:t>параграфов</a:t>
-            </a:r>
-            <a:r>
-              <a:rPr lang="ru-RU" sz="2400" dirty="0"/>
-              <a:t> </a:t>
-            </a:r>
-            <a:r>
-              <a:rPr lang="en-US" sz="2400" b="1" dirty="0"/>
-              <a:t>&lt;p&gt; </a:t>
-            </a:r>
-            <a:r>
-              <a:rPr lang="uk-UA" sz="2400" dirty="0"/>
-              <a:t>с </a:t>
-            </a:r>
-            <a:r>
-              <a:rPr lang="en-US" sz="2400" dirty="0"/>
-              <a:t>50</a:t>
-            </a:r>
-            <a:r>
-              <a:rPr lang="uk-UA" sz="2400" dirty="0"/>
-              <a:t>-ю словами </a:t>
-            </a:r>
-            <a:r>
-              <a:rPr lang="ru-RU" sz="2400" dirty="0"/>
-              <a:t>каждый.</a:t>
-            </a:r>
-            <a:endParaRPr lang="ru-RU" sz="2400" b="1" dirty="0"/>
-          </a:p>
-        </p:txBody>
-      </p:sp>
-      <p:pic>
-        <p:nvPicPr>
-          <p:cNvPr id="6" name="Рисунок 5"/>
-          <p:cNvPicPr>
-            <a:picLocks noChangeAspect="1"/>
-          </p:cNvPicPr>
-          <p:nvPr/>
-        </p:nvPicPr>
-        <p:blipFill rotWithShape="1">
-          <a:blip r:embed="rId2"/>
-          <a:srcRect l="5896" r="15084"/>
-          <a:stretch/>
-        </p:blipFill>
-        <p:spPr>
-          <a:xfrm>
-            <a:off x="767408" y="1484784"/>
-            <a:ext cx="5903143" cy="4032448"/>
-          </a:xfrm>
-          <a:prstGeom prst="rect">
-            <a:avLst/>
-          </a:prstGeom>
-          <a:ln>
-            <a:noFill/>
-          </a:ln>
-          <a:effectLst>
-            <a:outerShdw blurRad="190500" algn="tl" rotWithShape="0">
-              <a:srgbClr val="000000">
-                <a:alpha val="70000"/>
-              </a:srgbClr>
-            </a:outerShdw>
-          </a:effectLst>
-        </p:spPr>
-      </p:pic>
-      <p:sp>
-        <p:nvSpPr>
-          <p:cNvPr id="8" name="TextBox 7">
-            <a:extLst>
-              <a:ext uri="{FF2B5EF4-FFF2-40B4-BE49-F238E27FC236}">
-                <a16:creationId xmlns:a16="http://schemas.microsoft.com/office/drawing/2014/main" id="{B36E367F-71CF-416B-B5B1-685DE4362314}"/>
-              </a:ext>
-            </a:extLst>
-          </p:cNvPr>
+            <a:pPr algn="ctr"/>
+            <a:r>
+              <a:rPr lang="ru-RU" sz="3200" b="1" dirty="0"/>
+              <a:t>Два подхода к анимации в </a:t>
+            </a:r>
+            <a:r>
+              <a:rPr lang="en-US" sz="3200" b="1" dirty="0"/>
+              <a:t>CSS</a:t>
+            </a:r>
+            <a:endParaRPr lang="ru-RU" sz="3200" b="1" dirty="0"/>
+          </a:p>
+        </p:txBody>
+      </p:sp>
+      <p:sp>
+        <p:nvSpPr>
+          <p:cNvPr id="6" name="TextBox 5"/>
           <p:cNvSpPr txBox="1"/>
           <p:nvPr/>
         </p:nvSpPr>
         <p:spPr>
           <a:xfrm>
-            <a:off x="0" y="332656"/>
-            <a:ext cx="12192000" cy="646331"/>
+            <a:off x="7248128" y="1520233"/>
+            <a:ext cx="4680520" cy="4031873"/>
           </a:xfrm>
           <a:prstGeom prst="rect">
             <a:avLst/>
@@ -6488,23 +6487,149 @@
           </a:bodyPr>
           <a:lstStyle/>
           <a:p>
-            <a:pPr algn="ctr"/>
-            <a:r>
-              <a:rPr lang="ru-RU" sz="3600" b="1" dirty="0" err="1"/>
-              <a:t>Псевдоклассы</a:t>
-            </a:r>
-            <a:r>
-              <a:rPr lang="ru-RU" sz="3600" b="1" dirty="0"/>
-              <a:t> и состояние элемента</a:t>
-            </a:r>
-            <a:endParaRPr lang="en-US" sz="3600" b="1" dirty="0"/>
-          </a:p>
-        </p:txBody>
-      </p:sp>
+            <a:r>
+              <a:rPr lang="ru-RU" sz="3200" b="1" dirty="0">
+                <a:solidFill>
+                  <a:srgbClr val="92D050"/>
+                </a:solidFill>
+              </a:rPr>
+              <a:t>Анимация по сценарию </a:t>
+            </a:r>
+            <a:r>
+              <a:rPr lang="ru-RU" sz="3200" dirty="0">
+                <a:solidFill>
+                  <a:schemeClr val="bg1">
+                    <a:lumMod val="50000"/>
+                  </a:schemeClr>
+                </a:solidFill>
+              </a:rPr>
+              <a:t>заранее определенная последовательность действий, которые проигрываются во время выполнения анимации, базируется на свойстве </a:t>
+            </a:r>
+            <a:r>
+              <a:rPr lang="en-US" sz="3200" b="1" dirty="0">
+                <a:solidFill>
+                  <a:schemeClr val="accent6">
+                    <a:lumMod val="60000"/>
+                    <a:lumOff val="40000"/>
+                  </a:schemeClr>
+                </a:solidFill>
+              </a:rPr>
+              <a:t>animation</a:t>
+            </a:r>
+            <a:r>
+              <a:rPr lang="en-US" sz="3200" b="1" dirty="0">
+                <a:solidFill>
+                  <a:schemeClr val="bg1">
+                    <a:lumMod val="50000"/>
+                  </a:schemeClr>
+                </a:solidFill>
+              </a:rPr>
+              <a:t>.</a:t>
+            </a:r>
+            <a:endParaRPr lang="ru-RU" sz="3200" b="1" dirty="0">
+              <a:solidFill>
+                <a:schemeClr val="bg1">
+                  <a:lumMod val="50000"/>
+                </a:schemeClr>
+              </a:solidFill>
+            </a:endParaRPr>
+          </a:p>
+        </p:txBody>
+      </p:sp>
+      <p:sp>
+        <p:nvSpPr>
+          <p:cNvPr id="7" name="TextBox 6"/>
+          <p:cNvSpPr txBox="1"/>
+          <p:nvPr/>
+        </p:nvSpPr>
+        <p:spPr>
+          <a:xfrm>
+            <a:off x="681674" y="1700808"/>
+            <a:ext cx="5486334" cy="3416320"/>
+          </a:xfrm>
+          <a:prstGeom prst="rect">
+            <a:avLst/>
+          </a:prstGeom>
+          <a:noFill/>
+        </p:spPr>
+        <p:txBody>
+          <a:bodyPr wrap="square" rtlCol="0">
+            <a:spAutoFit/>
+          </a:bodyPr>
+          <a:lstStyle/>
+          <a:p>
+            <a:pPr algn="r"/>
+            <a:r>
+              <a:rPr lang="ru-RU" sz="3600" b="1" dirty="0">
+                <a:solidFill>
+                  <a:srgbClr val="00B050"/>
+                </a:solidFill>
+              </a:rPr>
+              <a:t>Анимация переходов</a:t>
+            </a:r>
+            <a:r>
+              <a:rPr lang="ru-RU" sz="3600" dirty="0"/>
+              <a:t> плавный переход между различными значениями стилевых свойств, базируется на свойстве </a:t>
+            </a:r>
+            <a:r>
+              <a:rPr lang="en-US" sz="3600" b="1" dirty="0">
+                <a:solidFill>
+                  <a:schemeClr val="accent6">
+                    <a:lumMod val="75000"/>
+                  </a:schemeClr>
+                </a:solidFill>
+              </a:rPr>
+              <a:t>transition</a:t>
+            </a:r>
+            <a:r>
+              <a:rPr lang="en-US" sz="3600" dirty="0"/>
+              <a:t>.</a:t>
+            </a:r>
+            <a:endParaRPr lang="ru-RU" sz="3600" dirty="0"/>
+          </a:p>
+        </p:txBody>
+      </p:sp>
+      <p:cxnSp>
+        <p:nvCxnSpPr>
+          <p:cNvPr id="9" name="Прямая соединительная линия 8"/>
+          <p:cNvCxnSpPr/>
+          <p:nvPr/>
+        </p:nvCxnSpPr>
+        <p:spPr>
+          <a:xfrm>
+            <a:off x="6744072" y="1520233"/>
+            <a:ext cx="0" cy="3888432"/>
+          </a:xfrm>
+          <a:prstGeom prst="line">
+            <a:avLst/>
+          </a:prstGeom>
+          <a:ln w="28575">
+            <a:solidFill>
+              <a:schemeClr val="bg1">
+                <a:lumMod val="65000"/>
+              </a:schemeClr>
+            </a:solidFill>
+          </a:ln>
+        </p:spPr>
+        <p:style>
+          <a:lnRef idx="1">
+            <a:schemeClr val="accent1"/>
+          </a:lnRef>
+          <a:fillRef idx="0">
+            <a:schemeClr val="accent1"/>
+          </a:fillRef>
+          <a:effectRef idx="0">
+            <a:schemeClr val="accent1"/>
+          </a:effectRef>
+          <a:fontRef idx="minor">
+            <a:schemeClr val="tx1"/>
+          </a:fontRef>
+        </p:style>
+      </p:cxnSp>
     </p:spTree>
     <p:extLst>
       <p:ext uri="{BB962C8B-B14F-4D97-AF65-F5344CB8AC3E}">
-        <p14:creationId xmlns:p14="http://schemas.microsoft.com/office/powerpoint/2010/main" val="3453687622"/>
+        <p14:creationId xmlns:p14="http://schemas.microsoft.com/office/powerpoint/2010/main" val="556136404"/>
       </p:ext>
     </p:extLst>
   </p:cSld>
@@ -6533,254 +6658,61 @@
       </p:grpSpPr>
       <p:sp>
         <p:nvSpPr>
-          <p:cNvPr id="8" name="Номер слайда 36"/>
-          <p:cNvSpPr txBox="1">
-            <a:spLocks/>
-          </p:cNvSpPr>
+          <p:cNvPr id="5" name="Прямоугольник 4"/>
+          <p:cNvSpPr/>
           <p:nvPr/>
         </p:nvSpPr>
         <p:spPr>
           <a:xfrm>
-            <a:off x="11136560" y="6165304"/>
-            <a:ext cx="648072" cy="432048"/>
-          </a:xfrm>
-          <a:prstGeom prst="roundRect">
+            <a:off x="0" y="0"/>
+            <a:ext cx="12192000" cy="6858000"/>
+          </a:xfrm>
+          <a:prstGeom prst="rect">
             <a:avLst/>
           </a:prstGeom>
-          <a:ln w="25400" cap="flat" cmpd="sng" algn="ctr">
-            <a:solidFill>
-              <a:schemeClr val="tx2">
-                <a:lumMod val="60000"/>
-                <a:lumOff val="40000"/>
-              </a:schemeClr>
-            </a:solidFill>
-            <a:prstDash val="solid"/>
-          </a:ln>
+          <a:solidFill>
+            <a:schemeClr val="tx2">
+              <a:lumMod val="75000"/>
+            </a:schemeClr>
+          </a:solidFill>
         </p:spPr>
         <p:style>
           <a:lnRef idx="2">
-            <a:schemeClr val="accent1"/>
+            <a:schemeClr val="accent1">
+              <a:shade val="50000"/>
+            </a:schemeClr>
           </a:lnRef>
           <a:fillRef idx="1">
-            <a:schemeClr val="lt1"/>
+            <a:schemeClr val="accent1"/>
           </a:fillRef>
           <a:effectRef idx="0">
             <a:schemeClr val="accent1"/>
           </a:effectRef>
           <a:fontRef idx="minor">
-            <a:schemeClr val="dk1"/>
+            <a:schemeClr val="lt1"/>
           </a:fontRef>
         </p:style>
         <p:txBody>
-          <a:bodyPr vert="horz" lIns="91440" tIns="45720" rIns="91440" bIns="45720" rtlCol="0" anchor="ctr"/>
-          <a:lstStyle/>
-          <a:p>
-            <a:pPr algn="ctr">
-              <a:defRPr/>
-            </a:pPr>
-            <a:fld id="{6389AA22-90B4-448C-8B6B-C699140D38B9}" type="slidenum">
-              <a:rPr lang="uk-UA" sz="2400" b="1">
-                <a:solidFill>
-                  <a:schemeClr val="bg1">
-                    <a:lumMod val="50000"/>
-                  </a:schemeClr>
-                </a:solidFill>
-              </a:rPr>
-              <a:pPr algn="ctr">
-                <a:defRPr/>
-              </a:pPr>
-              <a:t>5</a:t>
-            </a:fld>
-            <a:endParaRPr lang="uk-UA" sz="2400" b="1" dirty="0">
-              <a:solidFill>
-                <a:schemeClr val="bg1">
-                  <a:lumMod val="50000"/>
-                </a:schemeClr>
-              </a:solidFill>
-            </a:endParaRPr>
-          </a:p>
-        </p:txBody>
-      </p:sp>
-      <p:sp>
-        <p:nvSpPr>
-          <p:cNvPr id="7" name="Прямоугольник 6"/>
-          <p:cNvSpPr/>
-          <p:nvPr/>
-        </p:nvSpPr>
-        <p:spPr>
-          <a:xfrm>
-            <a:off x="7326543" y="5487615"/>
-            <a:ext cx="3810017" cy="461665"/>
-          </a:xfrm>
-          <a:prstGeom prst="rect">
-            <a:avLst/>
-          </a:prstGeom>
-        </p:spPr>
-        <p:txBody>
-          <a:bodyPr wrap="none">
-            <a:spAutoFit/>
-          </a:bodyPr>
-          <a:lstStyle/>
-          <a:p>
-            <a:r>
-              <a:rPr lang="en-US" sz="2400" b="1" dirty="0">
-                <a:hlinkClick r:id="rId2"/>
-              </a:rPr>
-              <a:t>https://webref.ru/css/hover</a:t>
-            </a:r>
-            <a:endParaRPr lang="ru-RU" sz="2400" b="1" dirty="0"/>
-          </a:p>
-        </p:txBody>
-      </p:sp>
-      <p:sp>
-        <p:nvSpPr>
-          <p:cNvPr id="10" name="TextBox 9"/>
-          <p:cNvSpPr txBox="1"/>
-          <p:nvPr/>
-        </p:nvSpPr>
-        <p:spPr>
-          <a:xfrm>
-            <a:off x="7320136" y="1268760"/>
-            <a:ext cx="3556379" cy="4093428"/>
-          </a:xfrm>
-          <a:prstGeom prst="rect">
-            <a:avLst/>
-          </a:prstGeom>
-          <a:noFill/>
-        </p:spPr>
-        <p:txBody>
-          <a:bodyPr wrap="square" rtlCol="0">
-            <a:spAutoFit/>
-          </a:bodyPr>
-          <a:lstStyle/>
-          <a:p>
-            <a:r>
-              <a:rPr lang="ru-RU" sz="2000" b="1" dirty="0" err="1"/>
-              <a:t>Псевдоклассы</a:t>
-            </a:r>
-            <a:r>
-              <a:rPr lang="ru-RU" sz="2000" dirty="0"/>
-              <a:t> определяют стили элемента для тех случаев когда состояние элемента меняется в зависимости от действий пользователя. Например </a:t>
-            </a:r>
-            <a:r>
-              <a:rPr lang="ru-RU" sz="2000" dirty="0" err="1"/>
-              <a:t>псевдокласс</a:t>
-            </a:r>
-            <a:r>
-              <a:rPr lang="ru-RU" sz="2000" dirty="0"/>
-              <a:t> </a:t>
-            </a:r>
-            <a:r>
-              <a:rPr lang="en-US" sz="2000" b="1" dirty="0"/>
-              <a:t>:hover</a:t>
-            </a:r>
-            <a:r>
-              <a:rPr lang="ru-RU" sz="2000" dirty="0"/>
-              <a:t>,</a:t>
-            </a:r>
-            <a:r>
-              <a:rPr lang="ru-RU" sz="2000" b="1" dirty="0"/>
-              <a:t> </a:t>
-            </a:r>
-            <a:r>
-              <a:rPr lang="ru-RU" sz="2000" dirty="0"/>
-              <a:t> который будучи расположен в селектору,</a:t>
-            </a:r>
-            <a:r>
-              <a:rPr lang="en-US" sz="2000" b="1" dirty="0"/>
-              <a:t> </a:t>
-            </a:r>
-            <a:r>
-              <a:rPr lang="ru-RU" sz="2000" dirty="0"/>
-              <a:t>позволяет задать стили который будут применяться только когда на элемент наведён курсор мыши.</a:t>
-            </a:r>
-            <a:r>
-              <a:rPr lang="en-US" sz="2000" dirty="0"/>
-              <a:t> </a:t>
-            </a:r>
-            <a:endParaRPr lang="ru-RU" sz="2000" dirty="0"/>
-          </a:p>
-        </p:txBody>
-      </p:sp>
-      <p:sp>
-        <p:nvSpPr>
-          <p:cNvPr id="9" name="TextBox 8"/>
-          <p:cNvSpPr txBox="1"/>
-          <p:nvPr/>
-        </p:nvSpPr>
-        <p:spPr>
-          <a:xfrm>
-            <a:off x="0" y="332656"/>
-            <a:ext cx="12192000" cy="646331"/>
-          </a:xfrm>
-          <a:prstGeom prst="rect">
-            <a:avLst/>
-          </a:prstGeom>
-          <a:noFill/>
-        </p:spPr>
-        <p:txBody>
-          <a:bodyPr wrap="square" rtlCol="0">
-            <a:spAutoFit/>
-          </a:bodyPr>
+          <a:bodyPr rtlCol="0" anchor="ctr"/>
           <a:lstStyle/>
           <a:p>
             <a:pPr algn="ctr"/>
             <a:r>
-              <a:rPr lang="ru-RU" sz="3600" b="1" dirty="0" err="1"/>
-              <a:t>Псевдоклассы</a:t>
-            </a:r>
-            <a:r>
-              <a:rPr lang="ru-RU" sz="3600" b="1" dirty="0"/>
-              <a:t> и состояние элемента</a:t>
-            </a:r>
-            <a:endParaRPr lang="en-US" sz="3600" b="1" dirty="0"/>
-          </a:p>
-        </p:txBody>
-      </p:sp>
-      <p:pic>
-        <p:nvPicPr>
-          <p:cNvPr id="3" name="Рисунок 2">
-            <a:extLst>
-              <a:ext uri="{FF2B5EF4-FFF2-40B4-BE49-F238E27FC236}">
-                <a16:creationId xmlns:a16="http://schemas.microsoft.com/office/drawing/2014/main" id="{7316BDD8-A581-4560-826E-C4E9617D7FC4}"/>
-              </a:ext>
-            </a:extLst>
-          </p:cNvPr>
-          <p:cNvPicPr>
-            <a:picLocks noChangeAspect="1"/>
-          </p:cNvPicPr>
-          <p:nvPr/>
-        </p:nvPicPr>
-        <p:blipFill>
-          <a:blip r:embed="rId3"/>
-          <a:stretch>
-            <a:fillRect/>
-          </a:stretch>
-        </p:blipFill>
-        <p:spPr>
-          <a:xfrm>
-            <a:off x="551384" y="1470297"/>
-            <a:ext cx="6496050" cy="4248150"/>
-          </a:xfrm>
-          <a:prstGeom prst="rect">
-            <a:avLst/>
-          </a:prstGeom>
-          <a:ln>
-            <a:noFill/>
-          </a:ln>
-          <a:effectLst>
-            <a:outerShdw blurRad="292100" dist="139700" dir="2700000" algn="tl" rotWithShape="0">
-              <a:srgbClr val="333333">
-                <a:alpha val="65000"/>
-              </a:srgbClr>
-            </a:outerShdw>
-          </a:effectLst>
-        </p:spPr>
-      </p:pic>
+              <a:rPr lang="en-US" sz="6000" b="1"/>
+              <a:t>2.</a:t>
+            </a:r>
+            <a:r>
+              <a:rPr lang="ru-RU" sz="6000" b="1" dirty="0"/>
+              <a:t> Состояние элемента</a:t>
+            </a:r>
+            <a:endParaRPr lang="uk-UA" sz="6000" b="1" dirty="0"/>
+          </a:p>
+        </p:txBody>
+      </p:sp>
     </p:spTree>
     <p:extLst>
       <p:ext uri="{BB962C8B-B14F-4D97-AF65-F5344CB8AC3E}">
-        <p14:creationId xmlns:p14="http://schemas.microsoft.com/office/powerpoint/2010/main" val="2282934457"/>
+        <p14:creationId xmlns:p14="http://schemas.microsoft.com/office/powerpoint/2010/main" val="2739659416"/>
       </p:ext>
     </p:extLst>
   </p:cSld>
@@ -6817,7 +6749,7 @@
         </p:nvSpPr>
         <p:spPr>
           <a:xfrm>
-            <a:off x="11352584" y="6194922"/>
+            <a:off x="11208568" y="6165304"/>
             <a:ext cx="648072" cy="432048"/>
           </a:xfrm>
           <a:prstGeom prst="roundRect">
@@ -6879,45 +6811,14 @@
       </p:sp>
       <p:sp>
         <p:nvSpPr>
-          <p:cNvPr id="7" name="Прямоугольник 6"/>
-          <p:cNvSpPr/>
-          <p:nvPr/>
-        </p:nvSpPr>
-        <p:spPr>
-          <a:xfrm>
-            <a:off x="7530135" y="4551511"/>
-            <a:ext cx="3827458" cy="461665"/>
-          </a:xfrm>
-          <a:prstGeom prst="rect">
-            <a:avLst/>
-          </a:prstGeom>
-        </p:spPr>
-        <p:txBody>
-          <a:bodyPr wrap="none">
-            <a:spAutoFit/>
-          </a:bodyPr>
-          <a:lstStyle/>
-          <a:p>
-            <a:r>
-              <a:rPr lang="en-US" sz="2400" b="1" dirty="0">
-                <a:hlinkClick r:id="rId2"/>
-              </a:rPr>
-              <a:t>https://webref.ru/css/active</a:t>
-            </a:r>
-            <a:endParaRPr lang="ru-RU" sz="2400" b="1" dirty="0"/>
-          </a:p>
-        </p:txBody>
-      </p:sp>
-      <p:sp>
-        <p:nvSpPr>
-          <p:cNvPr id="10" name="TextBox 9"/>
+          <p:cNvPr id="5" name="TextBox 4"/>
           <p:cNvSpPr txBox="1"/>
           <p:nvPr/>
         </p:nvSpPr>
         <p:spPr>
           <a:xfrm>
-            <a:off x="7530135" y="2297176"/>
-            <a:ext cx="4176464" cy="1938992"/>
+            <a:off x="0" y="499319"/>
+            <a:ext cx="12191999" cy="769441"/>
           </a:xfrm>
           <a:prstGeom prst="rect">
             <a:avLst/>
@@ -6930,118 +6831,94 @@
           </a:bodyPr>
           <a:lstStyle/>
           <a:p>
-            <a:r>
-              <a:rPr lang="ru-RU" sz="2400" dirty="0"/>
-              <a:t>Также будет полезен </a:t>
-            </a:r>
-            <a:r>
-              <a:rPr lang="ru-RU" sz="2400" dirty="0" err="1"/>
-              <a:t>псевдокласс</a:t>
-            </a:r>
-            <a:r>
-              <a:rPr lang="ru-RU" sz="2400" dirty="0"/>
-              <a:t> </a:t>
-            </a:r>
-            <a:r>
-              <a:rPr lang="en-US" sz="2400" b="1" dirty="0"/>
-              <a:t>:active </a:t>
-            </a:r>
-            <a:r>
-              <a:rPr lang="en-US" sz="2400" dirty="0"/>
-              <a:t>– </a:t>
-            </a:r>
-            <a:r>
-              <a:rPr lang="ru-RU" sz="2400" dirty="0"/>
-              <a:t>задающий стили для элемента на который осуществляется нажатие.</a:t>
-            </a:r>
+            <a:pPr algn="ctr"/>
+            <a:r>
+              <a:rPr lang="ru-RU" sz="4400" b="1" dirty="0"/>
+              <a:t>Скачайте шаблоны</a:t>
+            </a:r>
+          </a:p>
+        </p:txBody>
+      </p:sp>
+      <p:sp>
+        <p:nvSpPr>
+          <p:cNvPr id="7" name="TextBox 6"/>
+          <p:cNvSpPr txBox="1"/>
+          <p:nvPr/>
+        </p:nvSpPr>
+        <p:spPr>
+          <a:xfrm>
+            <a:off x="0" y="5190291"/>
+            <a:ext cx="12192000" cy="830997"/>
+          </a:xfrm>
+          <a:prstGeom prst="rect">
+            <a:avLst/>
+          </a:prstGeom>
+          <a:noFill/>
+        </p:spPr>
+        <p:txBody>
+          <a:bodyPr wrap="square" rtlCol="0">
+            <a:spAutoFit/>
+          </a:bodyPr>
+          <a:lstStyle/>
+          <a:p>
+            <a:pPr algn="ctr"/>
+            <a:r>
+              <a:rPr lang="ru-RU" sz="2400" b="1" dirty="0"/>
+              <a:t>Скачайте архив с шаблонами которые нам понадобятся:</a:t>
+            </a:r>
+            <a:br>
+              <a:rPr lang="ru-RU" sz="2400" b="1" dirty="0"/>
+            </a:br>
+            <a:r>
+              <a:rPr lang="en-US" sz="2400" b="1" dirty="0">
+                <a:hlinkClick r:id="rId2"/>
+              </a:rPr>
+              <a:t>https://github.com/filebase-xyz/css-transition/archive/master</a:t>
+            </a:r>
+            <a:r>
+              <a:rPr lang="en-US" sz="2400" b="1">
+                <a:hlinkClick r:id="rId2"/>
+              </a:rPr>
+              <a:t>.zip</a:t>
+            </a:r>
+            <a:endParaRPr lang="ru-RU" sz="2400" b="1" dirty="0"/>
           </a:p>
         </p:txBody>
       </p:sp>
       <p:pic>
         <p:nvPicPr>
-          <p:cNvPr id="11" name="Рисунок 10">
-            <a:extLst>
-              <a:ext uri="{FF2B5EF4-FFF2-40B4-BE49-F238E27FC236}">
-                <a16:creationId xmlns:a16="http://schemas.microsoft.com/office/drawing/2014/main" id="{EDF0EF65-3741-44C7-9CA9-1506BCF5B233}"/>
-              </a:ext>
-            </a:extLst>
-          </p:cNvPr>
+          <p:cNvPr id="2" name="Рисунок 1"/>
           <p:cNvPicPr>
             <a:picLocks noChangeAspect="1"/>
           </p:cNvPicPr>
           <p:nvPr/>
         </p:nvPicPr>
         <p:blipFill>
-          <a:blip r:embed="rId3"/>
+          <a:blip r:embed="rId3">
+            <a:extLst>
+              <a:ext uri="{28A0092B-C50C-407E-A947-70E740481C1C}">
+                <a14:useLocalDpi xmlns:a14="http://schemas.microsoft.com/office/drawing/2010/main" val="0"/>
+              </a:ext>
+            </a:extLst>
+          </a:blip>
           <a:stretch>
             <a:fillRect/>
           </a:stretch>
         </p:blipFill>
         <p:spPr>
           <a:xfrm>
-            <a:off x="551384" y="1470297"/>
-            <a:ext cx="6496050" cy="4248150"/>
+            <a:off x="4655840" y="1700808"/>
+            <a:ext cx="2880320" cy="2880320"/>
           </a:xfrm>
           <a:prstGeom prst="rect">
             <a:avLst/>
           </a:prstGeom>
-          <a:ln>
-            <a:noFill/>
-          </a:ln>
-          <a:effectLst>
-            <a:outerShdw blurRad="292100" dist="139700" dir="2700000" algn="tl" rotWithShape="0">
-              <a:srgbClr val="333333">
-                <a:alpha val="65000"/>
-              </a:srgbClr>
-            </a:outerShdw>
-          </a:effectLst>
         </p:spPr>
       </p:pic>
-      <p:sp>
-        <p:nvSpPr>
-          <p:cNvPr id="12" name="TextBox 11">
-            <a:extLst>
-              <a:ext uri="{FF2B5EF4-FFF2-40B4-BE49-F238E27FC236}">
-                <a16:creationId xmlns:a16="http://schemas.microsoft.com/office/drawing/2014/main" id="{912BF5F5-62AA-44FF-9010-450647794B7C}"/>
-              </a:ext>
-            </a:extLst>
-          </p:cNvPr>
-          <p:cNvSpPr txBox="1"/>
-          <p:nvPr/>
-        </p:nvSpPr>
-        <p:spPr>
-          <a:xfrm>
-            <a:off x="0" y="332656"/>
-            <a:ext cx="12192000" cy="646331"/>
-          </a:xfrm>
-          <a:prstGeom prst="rect">
-            <a:avLst/>
-          </a:prstGeom>
-          <a:noFill/>
-        </p:spPr>
-        <p:txBody>
-          <a:bodyPr wrap="square" rtlCol="0">
-            <a:spAutoFit/>
-          </a:bodyPr>
-          <a:lstStyle/>
-          <a:p>
-            <a:pPr algn="ctr"/>
-            <a:r>
-              <a:rPr lang="ru-RU" sz="3600" b="1" dirty="0" err="1"/>
-              <a:t>Псевдоклассы</a:t>
-            </a:r>
-            <a:r>
-              <a:rPr lang="ru-RU" sz="3600" b="1" dirty="0"/>
-              <a:t> и состояние элемента</a:t>
-            </a:r>
-            <a:endParaRPr lang="en-US" sz="3600" b="1" dirty="0"/>
-          </a:p>
-        </p:txBody>
-      </p:sp>
     </p:spTree>
     <p:extLst>
       <p:ext uri="{BB962C8B-B14F-4D97-AF65-F5344CB8AC3E}">
-        <p14:creationId xmlns:p14="http://schemas.microsoft.com/office/powerpoint/2010/main" val="1023181945"/>
+        <p14:creationId xmlns:p14="http://schemas.microsoft.com/office/powerpoint/2010/main" val="1315212788"/>
       </p:ext>
     </p:extLst>
   </p:cSld>
@@ -7070,61 +6947,305 @@
       </p:grpSpPr>
       <p:sp>
         <p:nvSpPr>
-          <p:cNvPr id="5" name="Прямоугольник 4"/>
-          <p:cNvSpPr/>
+          <p:cNvPr id="7" name="Номер слайда 36"/>
+          <p:cNvSpPr txBox="1">
+            <a:spLocks/>
+          </p:cNvSpPr>
           <p:nvPr/>
         </p:nvSpPr>
         <p:spPr>
           <a:xfrm>
-            <a:off x="0" y="0"/>
-            <a:ext cx="12192000" cy="6858000"/>
-          </a:xfrm>
-          <a:prstGeom prst="rect">
+            <a:off x="11136560" y="6165304"/>
+            <a:ext cx="648072" cy="432048"/>
+          </a:xfrm>
+          <a:prstGeom prst="roundRect">
             <a:avLst/>
           </a:prstGeom>
-          <a:solidFill>
-            <a:schemeClr val="tx2">
-              <a:lumMod val="75000"/>
-            </a:schemeClr>
-          </a:solidFill>
+          <a:ln w="25400" cap="flat" cmpd="sng" algn="ctr">
+            <a:solidFill>
+              <a:schemeClr val="tx2">
+                <a:lumMod val="60000"/>
+                <a:lumOff val="40000"/>
+              </a:schemeClr>
+            </a:solidFill>
+            <a:prstDash val="solid"/>
+          </a:ln>
         </p:spPr>
         <p:style>
           <a:lnRef idx="2">
-            <a:schemeClr val="accent1">
-              <a:shade val="50000"/>
-            </a:schemeClr>
+            <a:schemeClr val="accent1"/>
           </a:lnRef>
           <a:fillRef idx="1">
-            <a:schemeClr val="accent1"/>
+            <a:schemeClr val="lt1"/>
           </a:fillRef>
           <a:effectRef idx="0">
             <a:schemeClr val="accent1"/>
           </a:effectRef>
           <a:fontRef idx="minor">
-            <a:schemeClr val="lt1"/>
+            <a:schemeClr val="dk1"/>
           </a:fontRef>
         </p:style>
         <p:txBody>
-          <a:bodyPr rtlCol="0" anchor="ctr"/>
+          <a:bodyPr vert="horz" lIns="91440" tIns="45720" rIns="91440" bIns="45720" rtlCol="0" anchor="ctr"/>
+          <a:lstStyle/>
+          <a:p>
+            <a:pPr algn="ctr">
+              <a:defRPr/>
+            </a:pPr>
+            <a:fld id="{6389AA22-90B4-448C-8B6B-C699140D38B9}" type="slidenum">
+              <a:rPr lang="uk-UA" sz="2400" b="1">
+                <a:solidFill>
+                  <a:schemeClr val="bg1">
+                    <a:lumMod val="50000"/>
+                  </a:schemeClr>
+                </a:solidFill>
+              </a:rPr>
+              <a:pPr algn="ctr">
+                <a:defRPr/>
+              </a:pPr>
+              <a:t>7</a:t>
+            </a:fld>
+            <a:endParaRPr lang="uk-UA" sz="2400" b="1" dirty="0">
+              <a:solidFill>
+                <a:schemeClr val="bg1">
+                  <a:lumMod val="50000"/>
+                </a:schemeClr>
+              </a:solidFill>
+            </a:endParaRPr>
+          </a:p>
+        </p:txBody>
+      </p:sp>
+      <p:sp>
+        <p:nvSpPr>
+          <p:cNvPr id="10" name="TextBox 9"/>
+          <p:cNvSpPr txBox="1"/>
+          <p:nvPr/>
+        </p:nvSpPr>
+        <p:spPr>
+          <a:xfrm>
+            <a:off x="7248128" y="1531995"/>
+            <a:ext cx="4248472" cy="3416320"/>
+          </a:xfrm>
+          <a:prstGeom prst="rect">
+            <a:avLst/>
+          </a:prstGeom>
+          <a:noFill/>
+        </p:spPr>
+        <p:txBody>
+          <a:bodyPr wrap="square" rtlCol="0">
+            <a:spAutoFit/>
+          </a:bodyPr>
+          <a:lstStyle/>
+          <a:p>
+            <a:r>
+              <a:rPr lang="ru-RU" sz="2400" dirty="0"/>
+              <a:t>Подготовьте разметку на основе таких команд </a:t>
+            </a:r>
+            <a:r>
+              <a:rPr lang="en-US" sz="2400" b="1" dirty="0"/>
+              <a:t>Emmet</a:t>
+            </a:r>
+            <a:r>
+              <a:rPr lang="en-US" sz="2400" dirty="0"/>
+              <a:t>’</a:t>
+            </a:r>
+            <a:r>
+              <a:rPr lang="uk-UA" sz="2400" dirty="0"/>
+              <a:t>а</a:t>
+            </a:r>
+            <a:r>
+              <a:rPr lang="en-US" sz="2400" dirty="0"/>
+              <a:t> </a:t>
+            </a:r>
+            <a:r>
+              <a:rPr lang="uk-UA" sz="2400" dirty="0"/>
+              <a:t>в </a:t>
+            </a:r>
+            <a:r>
+              <a:rPr lang="en-US" sz="2400" b="1" dirty="0" err="1"/>
+              <a:t>VSCode</a:t>
+            </a:r>
+            <a:r>
+              <a:rPr lang="en-US" sz="2400" b="1" dirty="0"/>
+              <a:t> </a:t>
+            </a:r>
+            <a:r>
+              <a:rPr lang="en-US" sz="2400" dirty="0"/>
+              <a:t>(</a:t>
+            </a:r>
+            <a:r>
+              <a:rPr lang="uk-UA" sz="2400" dirty="0"/>
+              <a:t>команд</a:t>
+            </a:r>
+            <a:r>
+              <a:rPr lang="ru-RU" sz="2400" dirty="0"/>
+              <a:t>ы выполняются по одной</a:t>
+            </a:r>
+            <a:r>
+              <a:rPr lang="en-US" sz="2400" dirty="0"/>
+              <a:t>)</a:t>
+            </a:r>
+          </a:p>
+          <a:p>
+            <a:endParaRPr lang="ru-RU" sz="2400" dirty="0"/>
+          </a:p>
+          <a:p>
+            <a:r>
+              <a:rPr lang="en-US" sz="2400" dirty="0"/>
+              <a:t>1)</a:t>
+            </a:r>
+            <a:r>
+              <a:rPr lang="uk-UA" sz="2400" dirty="0"/>
+              <a:t>Каркас </a:t>
+            </a:r>
+            <a:r>
+              <a:rPr lang="en-US" sz="2400" dirty="0"/>
+              <a:t>HTML</a:t>
+            </a:r>
+            <a:r>
+              <a:rPr lang="uk-UA" sz="2400" dirty="0"/>
+              <a:t>-</a:t>
+            </a:r>
+            <a:r>
+              <a:rPr lang="uk-UA" sz="2400" dirty="0" err="1"/>
+              <a:t>разметки</a:t>
+            </a:r>
+            <a:r>
+              <a:rPr lang="en-US" sz="2400" dirty="0"/>
+              <a:t>;</a:t>
+            </a:r>
+            <a:endParaRPr lang="uk-UA" sz="2400" dirty="0"/>
+          </a:p>
+          <a:p>
+            <a:endParaRPr lang="en-US" sz="2400" dirty="0"/>
+          </a:p>
+          <a:p>
+            <a:r>
+              <a:rPr lang="en-US" sz="2400" dirty="0"/>
+              <a:t>2</a:t>
+            </a:r>
+            <a:r>
+              <a:rPr lang="uk-UA" sz="2400" dirty="0"/>
+              <a:t>) </a:t>
+            </a:r>
+            <a:r>
+              <a:rPr lang="en-US" sz="2400" dirty="0"/>
+              <a:t>10</a:t>
+            </a:r>
+            <a:r>
+              <a:rPr lang="uk-UA" sz="2400" dirty="0"/>
+              <a:t> </a:t>
+            </a:r>
+            <a:r>
+              <a:rPr lang="uk-UA" sz="2400" dirty="0" err="1"/>
+              <a:t>параграфов</a:t>
+            </a:r>
+            <a:r>
+              <a:rPr lang="ru-RU" sz="2400" dirty="0"/>
+              <a:t> </a:t>
+            </a:r>
+            <a:r>
+              <a:rPr lang="en-US" sz="2400" b="1" dirty="0"/>
+              <a:t>&lt;p&gt; </a:t>
+            </a:r>
+            <a:r>
+              <a:rPr lang="uk-UA" sz="2400" dirty="0"/>
+              <a:t>с </a:t>
+            </a:r>
+            <a:r>
+              <a:rPr lang="en-US" sz="2400" dirty="0"/>
+              <a:t>50</a:t>
+            </a:r>
+            <a:r>
+              <a:rPr lang="uk-UA" sz="2400" dirty="0"/>
+              <a:t>-ю словами </a:t>
+            </a:r>
+            <a:r>
+              <a:rPr lang="ru-RU" sz="2400" dirty="0"/>
+              <a:t>каждый.</a:t>
+            </a:r>
+            <a:endParaRPr lang="ru-RU" sz="2400" b="1" dirty="0"/>
+          </a:p>
+        </p:txBody>
+      </p:sp>
+      <p:pic>
+        <p:nvPicPr>
+          <p:cNvPr id="6" name="Рисунок 5"/>
+          <p:cNvPicPr>
+            <a:picLocks noChangeAspect="1"/>
+          </p:cNvPicPr>
+          <p:nvPr/>
+        </p:nvPicPr>
+        <p:blipFill rotWithShape="1">
+          <a:blip r:embed="rId2"/>
+          <a:srcRect l="5896" r="15084"/>
+          <a:stretch/>
+        </p:blipFill>
+        <p:spPr>
+          <a:xfrm>
+            <a:off x="767408" y="1484784"/>
+            <a:ext cx="5903143" cy="4032448"/>
+          </a:xfrm>
+          <a:prstGeom prst="rect">
+            <a:avLst/>
+          </a:prstGeom>
+          <a:ln>
+            <a:noFill/>
+          </a:ln>
+          <a:effectLst>
+            <a:outerShdw blurRad="190500" algn="tl" rotWithShape="0">
+              <a:srgbClr val="000000">
+                <a:alpha val="70000"/>
+              </a:srgbClr>
+            </a:outerShdw>
+          </a:effectLst>
+        </p:spPr>
+      </p:pic>
+      <p:sp>
+        <p:nvSpPr>
+          <p:cNvPr id="8" name="TextBox 7">
+            <a:extLst>
+              <a:ext uri="{FF2B5EF4-FFF2-40B4-BE49-F238E27FC236}">
+                <a16:creationId xmlns:a16="http://schemas.microsoft.com/office/drawing/2014/main" id="{B36E367F-71CF-416B-B5B1-685DE4362314}"/>
+              </a:ext>
+            </a:extLst>
+          </p:cNvPr>
+          <p:cNvSpPr txBox="1"/>
+          <p:nvPr/>
+        </p:nvSpPr>
+        <p:spPr>
+          <a:xfrm>
+            <a:off x="0" y="332656"/>
+            <a:ext cx="12192000" cy="646331"/>
+          </a:xfrm>
+          <a:prstGeom prst="rect">
+            <a:avLst/>
+          </a:prstGeom>
+          <a:noFill/>
+        </p:spPr>
+        <p:txBody>
+          <a:bodyPr wrap="square" rtlCol="0">
+            <a:spAutoFit/>
+          </a:bodyPr>
           <a:lstStyle/>
           <a:p>
             <a:pPr algn="ctr"/>
             <a:r>
-              <a:rPr lang="ru-RU" sz="6000" b="1" dirty="0"/>
-              <a:t>2. Анимация средствами </a:t>
-            </a:r>
-            <a:r>
-              <a:rPr lang="en-US" sz="6000" b="1" dirty="0"/>
-              <a:t>CSS</a:t>
-            </a:r>
-            <a:endParaRPr lang="uk-UA" sz="6000" b="1" dirty="0"/>
+              <a:rPr lang="ru-RU" sz="3600" b="1" dirty="0" err="1"/>
+              <a:t>Псевдоклассы</a:t>
+            </a:r>
+            <a:r>
+              <a:rPr lang="ru-RU" sz="3600" b="1" dirty="0"/>
+              <a:t> и состояние элемента</a:t>
+            </a:r>
+            <a:endParaRPr lang="en-US" sz="3600" b="1" dirty="0"/>
           </a:p>
         </p:txBody>
       </p:sp>
     </p:spTree>
     <p:extLst>
       <p:ext uri="{BB962C8B-B14F-4D97-AF65-F5344CB8AC3E}">
-        <p14:creationId xmlns:p14="http://schemas.microsoft.com/office/powerpoint/2010/main" val="1739932376"/>
+        <p14:creationId xmlns:p14="http://schemas.microsoft.com/office/powerpoint/2010/main" val="3453687622"/>
       </p:ext>
     </p:extLst>
   </p:cSld>
@@ -7153,7 +7274,7 @@
       </p:grpSpPr>
       <p:sp>
         <p:nvSpPr>
-          <p:cNvPr id="20" name="Номер слайда 36"/>
+          <p:cNvPr id="8" name="Номер слайда 36"/>
           <p:cNvSpPr txBox="1">
             <a:spLocks/>
           </p:cNvSpPr>
@@ -7161,7 +7282,7 @@
         </p:nvSpPr>
         <p:spPr>
           <a:xfrm>
-            <a:off x="11280576" y="6165304"/>
+            <a:off x="11136560" y="6165304"/>
             <a:ext cx="648072" cy="432048"/>
           </a:xfrm>
           <a:prstGeom prst="roundRect">
@@ -7223,14 +7344,45 @@
       </p:sp>
       <p:sp>
         <p:nvSpPr>
+          <p:cNvPr id="7" name="Прямоугольник 6"/>
+          <p:cNvSpPr/>
+          <p:nvPr/>
+        </p:nvSpPr>
+        <p:spPr>
+          <a:xfrm>
+            <a:off x="7326543" y="5487615"/>
+            <a:ext cx="3810017" cy="461665"/>
+          </a:xfrm>
+          <a:prstGeom prst="rect">
+            <a:avLst/>
+          </a:prstGeom>
+        </p:spPr>
+        <p:txBody>
+          <a:bodyPr wrap="none">
+            <a:spAutoFit/>
+          </a:bodyPr>
+          <a:lstStyle/>
+          <a:p>
+            <a:r>
+              <a:rPr lang="en-US" sz="2400" b="1" dirty="0">
+                <a:hlinkClick r:id="rId2"/>
+              </a:rPr>
+              <a:t>https://webref.ru/css/hover</a:t>
+            </a:r>
+            <a:endParaRPr lang="ru-RU" sz="2400" b="1" dirty="0"/>
+          </a:p>
+        </p:txBody>
+      </p:sp>
+      <p:sp>
+        <p:nvSpPr>
           <p:cNvPr id="10" name="TextBox 9"/>
           <p:cNvSpPr txBox="1"/>
           <p:nvPr/>
         </p:nvSpPr>
         <p:spPr>
           <a:xfrm>
-            <a:off x="5879976" y="1484784"/>
-            <a:ext cx="6192688" cy="2554545"/>
+            <a:off x="7320136" y="1268760"/>
+            <a:ext cx="3556379" cy="4093428"/>
           </a:xfrm>
           <a:prstGeom prst="rect">
             <a:avLst/>
@@ -7244,30 +7396,63 @@
           <a:lstStyle/>
           <a:p>
             <a:r>
-              <a:rPr lang="ru-RU" sz="4000" dirty="0"/>
-              <a:t>Анимация на веб-странице это изменение во времени того или иного стилевого</a:t>
-            </a:r>
-            <a:r>
-              <a:rPr lang="en-US" sz="4000" dirty="0"/>
+              <a:rPr lang="ru-RU" sz="2000" b="1" dirty="0" err="1"/>
+              <a:t>Псевдоклассы</a:t>
+            </a:r>
+            <a:r>
+              <a:rPr lang="ru-RU" sz="2000" dirty="0"/>
+              <a:t> определяют стили элемента для тех случаев когда состояние элемента меняется в зависимости от действий пользователя. Например </a:t>
+            </a:r>
+            <a:r>
+              <a:rPr lang="ru-RU" sz="2000" dirty="0" err="1"/>
+              <a:t>псевдокласс</a:t>
+            </a:r>
+            <a:r>
+              <a:rPr lang="ru-RU" sz="2000" dirty="0"/>
               <a:t> </a:t>
             </a:r>
             <a:r>
-              <a:rPr lang="ru-RU" sz="4000" dirty="0"/>
-              <a:t>свойства элемента.</a:t>
-            </a:r>
-          </a:p>
-        </p:txBody>
-      </p:sp>
-      <p:sp>
-        <p:nvSpPr>
-          <p:cNvPr id="5" name="TextBox 4"/>
+              <a:rPr lang="en-US" sz="2000" b="1" dirty="0"/>
+              <a:t>:hover</a:t>
+            </a:r>
+            <a:r>
+              <a:rPr lang="ru-RU" sz="2000" dirty="0"/>
+              <a:t>,</a:t>
+            </a:r>
+            <a:r>
+              <a:rPr lang="ru-RU" sz="2000" b="1" dirty="0"/>
+              <a:t> </a:t>
+            </a:r>
+            <a:r>
+              <a:rPr lang="ru-RU" sz="2000" dirty="0"/>
+              <a:t> который будучи расположен в селектору,</a:t>
+            </a:r>
+            <a:r>
+              <a:rPr lang="en-US" sz="2000" b="1" dirty="0"/>
+              <a:t> </a:t>
+            </a:r>
+            <a:r>
+              <a:rPr lang="ru-RU" sz="2000" dirty="0"/>
+              <a:t>позволяет задать стили который будут применяться только когда на элемент наведён курсор мыши.</a:t>
+            </a:r>
+            <a:r>
+              <a:rPr lang="en-US" sz="2000" dirty="0"/>
+              <a:t> </a:t>
+            </a:r>
+            <a:endParaRPr lang="ru-RU" sz="2000" dirty="0"/>
+          </a:p>
+        </p:txBody>
+      </p:sp>
+      <p:sp>
+        <p:nvSpPr>
+          <p:cNvPr id="9" name="TextBox 8"/>
           <p:cNvSpPr txBox="1"/>
           <p:nvPr/>
         </p:nvSpPr>
         <p:spPr>
           <a:xfrm>
-            <a:off x="5907950" y="4221088"/>
-            <a:ext cx="4824536" cy="1815882"/>
+            <a:off x="0" y="332656"/>
+            <a:ext cx="12192000" cy="646331"/>
           </a:xfrm>
           <a:prstGeom prst="rect">
             <a:avLst/>
@@ -7280,144 +7465,63 @@
           </a:bodyPr>
           <a:lstStyle/>
           <a:p>
-            <a:r>
-              <a:rPr lang="ru-RU" sz="2800" i="1" dirty="0"/>
-              <a:t>До появления </a:t>
-            </a:r>
-            <a:r>
-              <a:rPr lang="en-US" sz="2800" b="1" i="1" dirty="0"/>
-              <a:t>CSS 3 </a:t>
-            </a:r>
-            <a:r>
-              <a:rPr lang="ru-RU" sz="2800" i="1" dirty="0"/>
-              <a:t>анимация создавалась исключительно средствами </a:t>
-            </a:r>
-            <a:r>
-              <a:rPr lang="en-US" sz="2800" b="1" i="1" dirty="0"/>
-              <a:t>JavaScript</a:t>
-            </a:r>
-            <a:r>
-              <a:rPr lang="ru-RU" sz="2800" i="1" dirty="0"/>
-              <a:t>, но ничто не стоит на месте.</a:t>
-            </a:r>
-          </a:p>
-        </p:txBody>
-      </p:sp>
-      <p:cxnSp>
-        <p:nvCxnSpPr>
-          <p:cNvPr id="3" name="Прямая соединительная линия 2"/>
-          <p:cNvCxnSpPr/>
+            <a:pPr algn="ctr"/>
+            <a:r>
+              <a:rPr lang="ru-RU" sz="3600" b="1" dirty="0" err="1"/>
+              <a:t>Псевдоклассы</a:t>
+            </a:r>
+            <a:r>
+              <a:rPr lang="ru-RU" sz="3600" b="1" dirty="0"/>
+              <a:t> и состояние элемента</a:t>
+            </a:r>
+            <a:endParaRPr lang="en-US" sz="3600" b="1" dirty="0"/>
+          </a:p>
+        </p:txBody>
+      </p:sp>
+      <p:pic>
+        <p:nvPicPr>
+          <p:cNvPr id="3" name="Рисунок 2">
+            <a:extLst>
+              <a:ext uri="{FF2B5EF4-FFF2-40B4-BE49-F238E27FC236}">
+                <a16:creationId xmlns:a16="http://schemas.microsoft.com/office/drawing/2014/main" id="{7316BDD8-A581-4560-826E-C4E9617D7FC4}"/>
+              </a:ext>
+            </a:extLst>
+          </p:cNvPr>
+          <p:cNvPicPr>
+            <a:picLocks noChangeAspect="1"/>
+          </p:cNvPicPr>
           <p:nvPr/>
-        </p:nvCxnSpPr>
-        <p:spPr>
-          <a:xfrm>
-            <a:off x="5735960" y="1484784"/>
-            <a:ext cx="0" cy="4768210"/>
-          </a:xfrm>
-          <a:prstGeom prst="line">
-            <a:avLst/>
-          </a:prstGeom>
-          <a:ln w="28575">
-            <a:solidFill>
-              <a:schemeClr val="bg1">
-                <a:lumMod val="65000"/>
-              </a:schemeClr>
-            </a:solidFill>
-          </a:ln>
-        </p:spPr>
-        <p:style>
-          <a:lnRef idx="1">
-            <a:schemeClr val="accent1"/>
-          </a:lnRef>
-          <a:fillRef idx="0">
-            <a:schemeClr val="accent1"/>
-          </a:fillRef>
-          <a:effectRef idx="0">
-            <a:schemeClr val="accent1"/>
-          </a:effectRef>
-          <a:fontRef idx="minor">
-            <a:schemeClr val="tx1"/>
-          </a:fontRef>
-        </p:style>
-      </p:cxnSp>
-      <p:sp>
-        <p:nvSpPr>
-          <p:cNvPr id="6" name="TextBox 5"/>
-          <p:cNvSpPr txBox="1"/>
-          <p:nvPr/>
-        </p:nvSpPr>
-        <p:spPr>
-          <a:xfrm>
-            <a:off x="0" y="260648"/>
-            <a:ext cx="12192000" cy="769441"/>
+        </p:nvPicPr>
+        <p:blipFill>
+          <a:blip r:embed="rId3"/>
+          <a:stretch>
+            <a:fillRect/>
+          </a:stretch>
+        </p:blipFill>
+        <p:spPr>
+          <a:xfrm>
+            <a:off x="551384" y="1470297"/>
+            <a:ext cx="6496050" cy="4248150"/>
           </a:xfrm>
           <a:prstGeom prst="rect">
             <a:avLst/>
           </a:prstGeom>
-          <a:noFill/>
-        </p:spPr>
-        <p:txBody>
-          <a:bodyPr wrap="square" rtlCol="0">
-            <a:spAutoFit/>
-          </a:bodyPr>
-          <a:lstStyle/>
-          <a:p>
-            <a:pPr algn="ctr"/>
-            <a:r>
-              <a:rPr lang="en-US" sz="4400" b="1" dirty="0"/>
-              <a:t>CSS  </a:t>
-            </a:r>
-            <a:r>
-              <a:rPr lang="ru-RU" sz="4400" b="1" dirty="0"/>
-              <a:t>и анимация</a:t>
-            </a:r>
-            <a:endParaRPr lang="uk-UA" sz="4400" b="1" dirty="0"/>
-          </a:p>
-        </p:txBody>
-      </p:sp>
-      <p:pic>
-        <p:nvPicPr>
-          <p:cNvPr id="8" name="Picture 4" descr="CSS Transitions"/>
-          <p:cNvPicPr>
-            <a:picLocks noChangeAspect="1" noChangeArrowheads="1"/>
-          </p:cNvPicPr>
-          <p:nvPr/>
-        </p:nvPicPr>
-        <p:blipFill rotWithShape="1">
-          <a:blip r:embed="rId2">
-            <a:extLst>
-              <a:ext uri="{28A0092B-C50C-407E-A947-70E740481C1C}">
-                <a14:useLocalDpi xmlns:a14="http://schemas.microsoft.com/office/drawing/2010/main" val="0"/>
-              </a:ext>
-            </a:extLst>
-          </a:blip>
-          <a:srcRect t="6294" b="33305"/>
-          <a:stretch/>
-        </p:blipFill>
-        <p:spPr bwMode="auto">
-          <a:xfrm>
-            <a:off x="479376" y="2920510"/>
-            <a:ext cx="4896544" cy="1896758"/>
-          </a:xfrm>
-          <a:prstGeom prst="rect">
-            <a:avLst/>
-          </a:prstGeom>
-          <a:noFill/>
-          <a:extLst>
-            <a:ext uri="{909E8E84-426E-40DD-AFC4-6F175D3DCCD1}">
-              <a14:hiddenFill xmlns:a14="http://schemas.microsoft.com/office/drawing/2010/main">
-                <a:solidFill>
-                  <a:srgbClr val="FFFFFF"/>
-                </a:solidFill>
-              </a14:hiddenFill>
-            </a:ext>
-          </a:extLst>
+          <a:ln>
+            <a:noFill/>
+          </a:ln>
+          <a:effectLst>
+            <a:outerShdw blurRad="292100" dist="139700" dir="2700000" algn="tl" rotWithShape="0">
+              <a:srgbClr val="333333">
+                <a:alpha val="65000"/>
+              </a:srgbClr>
+            </a:outerShdw>
+          </a:effectLst>
         </p:spPr>
       </p:pic>
     </p:spTree>
     <p:extLst>
       <p:ext uri="{BB962C8B-B14F-4D97-AF65-F5344CB8AC3E}">
-        <p14:creationId xmlns:p14="http://schemas.microsoft.com/office/powerpoint/2010/main" val="570090362"/>
+        <p14:creationId xmlns:p14="http://schemas.microsoft.com/office/powerpoint/2010/main" val="2282934457"/>
       </p:ext>
     </p:extLst>
   </p:cSld>
@@ -7446,7 +7550,7 @@
       </p:grpSpPr>
       <p:sp>
         <p:nvSpPr>
-          <p:cNvPr id="8" name="Номер слайда 36"/>
+          <p:cNvPr id="4" name="Номер слайда 36"/>
           <p:cNvSpPr txBox="1">
             <a:spLocks/>
           </p:cNvSpPr>
@@ -7454,7 +7558,7 @@
         </p:nvSpPr>
         <p:spPr>
           <a:xfrm>
-            <a:off x="11286458" y="6235626"/>
+            <a:off x="11352584" y="6194922"/>
             <a:ext cx="648072" cy="432048"/>
           </a:xfrm>
           <a:prstGeom prst="roundRect">
@@ -7516,14 +7620,45 @@
       </p:sp>
       <p:sp>
         <p:nvSpPr>
-          <p:cNvPr id="5" name="TextBox 4"/>
+          <p:cNvPr id="7" name="Прямоугольник 6"/>
+          <p:cNvSpPr/>
+          <p:nvPr/>
+        </p:nvSpPr>
+        <p:spPr>
+          <a:xfrm>
+            <a:off x="7530135" y="4551511"/>
+            <a:ext cx="3827458" cy="461665"/>
+          </a:xfrm>
+          <a:prstGeom prst="rect">
+            <a:avLst/>
+          </a:prstGeom>
+        </p:spPr>
+        <p:txBody>
+          <a:bodyPr wrap="none">
+            <a:spAutoFit/>
+          </a:bodyPr>
+          <a:lstStyle/>
+          <a:p>
+            <a:r>
+              <a:rPr lang="en-US" sz="2400" b="1" dirty="0">
+                <a:hlinkClick r:id="rId2"/>
+              </a:rPr>
+              <a:t>https://webref.ru/css/active</a:t>
+            </a:r>
+            <a:endParaRPr lang="ru-RU" sz="2400" b="1" dirty="0"/>
+          </a:p>
+        </p:txBody>
+      </p:sp>
+      <p:sp>
+        <p:nvSpPr>
+          <p:cNvPr id="10" name="TextBox 9"/>
           <p:cNvSpPr txBox="1"/>
           <p:nvPr/>
         </p:nvSpPr>
         <p:spPr>
           <a:xfrm>
-            <a:off x="3431705" y="251938"/>
-            <a:ext cx="5689443" cy="584775"/>
+            <a:off x="7530135" y="2297176"/>
+            <a:ext cx="4176464" cy="1938992"/>
           </a:xfrm>
           <a:prstGeom prst="rect">
             <a:avLst/>
@@ -7531,34 +7666,94 @@
           <a:noFill/>
         </p:spPr>
         <p:txBody>
-          <a:bodyPr wrap="none" rtlCol="0">
+          <a:bodyPr wrap="square" rtlCol="0">
             <a:spAutoFit/>
           </a:bodyPr>
           <a:lstStyle/>
           <a:p>
-            <a:pPr algn="ctr"/>
-            <a:r>
-              <a:rPr lang="ru-RU" sz="3200" b="1" dirty="0"/>
-              <a:t>Два подхода к анимации в </a:t>
-            </a:r>
-            <a:r>
-              <a:rPr lang="en-US" sz="3200" b="1" dirty="0"/>
-              <a:t>CSS</a:t>
-            </a:r>
-            <a:endParaRPr lang="ru-RU" sz="3200" b="1" dirty="0"/>
-          </a:p>
-        </p:txBody>
-      </p:sp>
-      <p:sp>
-        <p:nvSpPr>
-          <p:cNvPr id="6" name="TextBox 5"/>
+            <a:r>
+              <a:rPr lang="ru-RU" sz="2400" dirty="0"/>
+              <a:t>Также будет полезен </a:t>
+            </a:r>
+            <a:r>
+              <a:rPr lang="ru-RU" sz="2400" dirty="0" err="1"/>
+              <a:t>псевдокласс</a:t>
+            </a:r>
+            <a:r>
+              <a:rPr lang="ru-RU" sz="2400" dirty="0"/>
+              <a:t> </a:t>
+            </a:r>
+            <a:r>
+              <a:rPr lang="en-US" sz="2400" b="1" dirty="0"/>
+              <a:t>:active </a:t>
+            </a:r>
+            <a:r>
+              <a:rPr lang="en-US" sz="2400" dirty="0"/>
+              <a:t>– </a:t>
+            </a:r>
+            <a:r>
+              <a:rPr lang="ru-RU" sz="2400" dirty="0"/>
+              <a:t>задающий стили для элемента на который осуществляется нажатие.</a:t>
+            </a:r>
+          </a:p>
+        </p:txBody>
+      </p:sp>
+      <p:pic>
+        <p:nvPicPr>
+          <p:cNvPr id="11" name="Рисунок 10">
+            <a:extLst>
+              <a:ext uri="{FF2B5EF4-FFF2-40B4-BE49-F238E27FC236}">
+                <a16:creationId xmlns:a16="http://schemas.microsoft.com/office/drawing/2014/main" id="{EDF0EF65-3741-44C7-9CA9-1506BCF5B233}"/>
+              </a:ext>
+            </a:extLst>
+          </p:cNvPr>
+          <p:cNvPicPr>
+            <a:picLocks noChangeAspect="1"/>
+          </p:cNvPicPr>
+          <p:nvPr/>
+        </p:nvPicPr>
+        <p:blipFill>
+          <a:blip r:embed="rId3"/>
+          <a:stretch>
+            <a:fillRect/>
+          </a:stretch>
+        </p:blipFill>
+        <p:spPr>
+          <a:xfrm>
+            <a:off x="551384" y="1470297"/>
+            <a:ext cx="6496050" cy="4248150"/>
+          </a:xfrm>
+          <a:prstGeom prst="rect">
+            <a:avLst/>
+          </a:prstGeom>
+          <a:ln>
+            <a:noFill/>
+          </a:ln>
+          <a:effectLst>
+            <a:outerShdw blurRad="292100" dist="139700" dir="2700000" algn="tl" rotWithShape="0">
+              <a:srgbClr val="333333">
+                <a:alpha val="65000"/>
+              </a:srgbClr>
+            </a:outerShdw>
+          </a:effectLst>
+        </p:spPr>
+      </p:pic>
+      <p:sp>
+        <p:nvSpPr>
+          <p:cNvPr id="12" name="TextBox 11">
+            <a:extLst>
+              <a:ext uri="{FF2B5EF4-FFF2-40B4-BE49-F238E27FC236}">
+                <a16:creationId xmlns:a16="http://schemas.microsoft.com/office/drawing/2014/main" id="{912BF5F5-62AA-44FF-9010-450647794B7C}"/>
+              </a:ext>
+            </a:extLst>
+          </p:cNvPr>
           <p:cNvSpPr txBox="1"/>
           <p:nvPr/>
         </p:nvSpPr>
         <p:spPr>
           <a:xfrm>
-            <a:off x="7248128" y="1520233"/>
-            <a:ext cx="4680520" cy="4031873"/>
+            <a:off x="0" y="332656"/>
+            <a:ext cx="12192000" cy="646331"/>
           </a:xfrm>
           <a:prstGeom prst="rect">
             <a:avLst/>
@@ -7571,149 +7766,23 @@
           </a:bodyPr>
           <a:lstStyle/>
           <a:p>
-            <a:r>
-              <a:rPr lang="ru-RU" sz="3200" b="1" dirty="0">
-                <a:solidFill>
-                  <a:srgbClr val="92D050"/>
-                </a:solidFill>
-              </a:rPr>
-              <a:t>Анимация по сценарию </a:t>
-            </a:r>
-            <a:r>
-              <a:rPr lang="ru-RU" sz="3200" dirty="0">
-                <a:solidFill>
-                  <a:schemeClr val="bg1">
-                    <a:lumMod val="50000"/>
-                  </a:schemeClr>
-                </a:solidFill>
-              </a:rPr>
-              <a:t>заранее определенная последовательность действий, которые проигрываются во время выполнения анимации, базируется на свойстве </a:t>
-            </a:r>
-            <a:r>
-              <a:rPr lang="en-US" sz="3200" b="1" dirty="0">
-                <a:solidFill>
-                  <a:schemeClr val="accent6">
-                    <a:lumMod val="60000"/>
-                    <a:lumOff val="40000"/>
-                  </a:schemeClr>
-                </a:solidFill>
-              </a:rPr>
-              <a:t>animation</a:t>
-            </a:r>
-            <a:r>
-              <a:rPr lang="en-US" sz="3200" b="1" dirty="0">
-                <a:solidFill>
-                  <a:schemeClr val="bg1">
-                    <a:lumMod val="50000"/>
-                  </a:schemeClr>
-                </a:solidFill>
-              </a:rPr>
-              <a:t>.</a:t>
-            </a:r>
-            <a:endParaRPr lang="ru-RU" sz="3200" b="1" dirty="0">
-              <a:solidFill>
-                <a:schemeClr val="bg1">
-                  <a:lumMod val="50000"/>
-                </a:schemeClr>
-              </a:solidFill>
-            </a:endParaRPr>
-          </a:p>
-        </p:txBody>
-      </p:sp>
-      <p:sp>
-        <p:nvSpPr>
-          <p:cNvPr id="7" name="TextBox 6"/>
-          <p:cNvSpPr txBox="1"/>
-          <p:nvPr/>
-        </p:nvSpPr>
-        <p:spPr>
-          <a:xfrm>
-            <a:off x="681674" y="1700808"/>
-            <a:ext cx="5486334" cy="3416320"/>
-          </a:xfrm>
-          <a:prstGeom prst="rect">
-            <a:avLst/>
-          </a:prstGeom>
-          <a:noFill/>
-        </p:spPr>
-        <p:txBody>
-          <a:bodyPr wrap="square" rtlCol="0">
-            <a:spAutoFit/>
-          </a:bodyPr>
-          <a:lstStyle/>
-          <a:p>
-            <a:pPr algn="r"/>
-            <a:r>
-              <a:rPr lang="ru-RU" sz="3600" b="1" dirty="0">
-                <a:solidFill>
-                  <a:srgbClr val="00B050"/>
-                </a:solidFill>
-              </a:rPr>
-              <a:t>Анимация переходов</a:t>
-            </a:r>
-            <a:r>
-              <a:rPr lang="ru-RU" sz="3600" dirty="0"/>
-              <a:t> плавный переход между различными значениями стилевых свойств, базируется на свойстве </a:t>
-            </a:r>
-            <a:r>
-              <a:rPr lang="en-US" sz="3600" b="1" dirty="0">
-                <a:solidFill>
-                  <a:schemeClr val="accent6">
-                    <a:lumMod val="75000"/>
-                  </a:schemeClr>
-                </a:solidFill>
-              </a:rPr>
-              <a:t>transition</a:t>
-            </a:r>
-            <a:r>
-              <a:rPr lang="en-US" sz="3600" dirty="0"/>
-              <a:t>.</a:t>
-            </a:r>
-            <a:endParaRPr lang="ru-RU" sz="3600" dirty="0"/>
-          </a:p>
-        </p:txBody>
-      </p:sp>
-      <p:cxnSp>
-        <p:nvCxnSpPr>
-          <p:cNvPr id="9" name="Прямая соединительная линия 8"/>
-          <p:cNvCxnSpPr/>
-          <p:nvPr/>
-        </p:nvCxnSpPr>
-        <p:spPr>
-          <a:xfrm>
-            <a:off x="6744072" y="1520233"/>
-            <a:ext cx="0" cy="3888432"/>
-          </a:xfrm>
-          <a:prstGeom prst="line">
-            <a:avLst/>
-          </a:prstGeom>
-          <a:ln w="28575">
-            <a:solidFill>
-              <a:schemeClr val="bg1">
-                <a:lumMod val="65000"/>
-              </a:schemeClr>
-            </a:solidFill>
-          </a:ln>
-        </p:spPr>
-        <p:style>
-          <a:lnRef idx="1">
-            <a:schemeClr val="accent1"/>
-          </a:lnRef>
-          <a:fillRef idx="0">
-            <a:schemeClr val="accent1"/>
-          </a:fillRef>
-          <a:effectRef idx="0">
-            <a:schemeClr val="accent1"/>
-          </a:effectRef>
-          <a:fontRef idx="minor">
-            <a:schemeClr val="tx1"/>
-          </a:fontRef>
-        </p:style>
-      </p:cxnSp>
+            <a:pPr algn="ctr"/>
+            <a:r>
+              <a:rPr lang="ru-RU" sz="3600" b="1" dirty="0" err="1"/>
+              <a:t>Псевдоклассы</a:t>
+            </a:r>
+            <a:r>
+              <a:rPr lang="ru-RU" sz="3600" b="1" dirty="0"/>
+              <a:t> и состояние элемента</a:t>
+            </a:r>
+            <a:endParaRPr lang="en-US" sz="3600" b="1" dirty="0"/>
+          </a:p>
+        </p:txBody>
+      </p:sp>
     </p:spTree>
     <p:extLst>
       <p:ext uri="{BB962C8B-B14F-4D97-AF65-F5344CB8AC3E}">
-        <p14:creationId xmlns:p14="http://schemas.microsoft.com/office/powerpoint/2010/main" val="1380844691"/>
+        <p14:creationId xmlns:p14="http://schemas.microsoft.com/office/powerpoint/2010/main" val="1023181945"/>
       </p:ext>
     </p:extLst>
   </p:cSld>
